--- a/Presentation.pptx
+++ b/Presentation.pptx
@@ -20,18 +20,16 @@
     <p:sldId id="273" r:id="rId14"/>
     <p:sldId id="274" r:id="rId15"/>
     <p:sldId id="275" r:id="rId16"/>
-    <p:sldId id="288" r:id="rId17"/>
-    <p:sldId id="285" r:id="rId18"/>
-    <p:sldId id="287" r:id="rId19"/>
-    <p:sldId id="277" r:id="rId20"/>
-    <p:sldId id="279" r:id="rId21"/>
-    <p:sldId id="280" r:id="rId22"/>
-    <p:sldId id="281" r:id="rId23"/>
-    <p:sldId id="282" r:id="rId24"/>
-    <p:sldId id="289" r:id="rId25"/>
-    <p:sldId id="290" r:id="rId26"/>
-    <p:sldId id="292" r:id="rId27"/>
-    <p:sldId id="293" r:id="rId28"/>
+    <p:sldId id="301" r:id="rId17"/>
+    <p:sldId id="288" r:id="rId18"/>
+    <p:sldId id="285" r:id="rId19"/>
+    <p:sldId id="287" r:id="rId20"/>
+    <p:sldId id="302" r:id="rId21"/>
+    <p:sldId id="303" r:id="rId22"/>
+    <p:sldId id="304" r:id="rId23"/>
+    <p:sldId id="305" r:id="rId24"/>
+    <p:sldId id="306" r:id="rId25"/>
+    <p:sldId id="293" r:id="rId26"/>
   </p:sldIdLst>
   <p:sldSz cx="12192000" cy="6858000"/>
   <p:notesSz cx="6858000" cy="9144000"/>
@@ -334,7 +332,7 @@
           <a:p>
             <a:fld id="{ECD19FB2-3AAB-4D03-B13A-2960828C78E3}" type="datetimeFigureOut">
               <a:rPr lang="en-US" dirty="0"/>
-              <a:t>5/15/16</a:t>
+              <a:t>5/16/16</a:t>
             </a:fld>
             <a:endParaRPr lang="en-US" dirty="0"/>
           </a:p>
@@ -377,7 +375,7 @@
             <a:fld id="{6D22F896-40B5-4ADD-8801-0D06FADFA095}" type="slidenum">
               <a:rPr lang="en-US" dirty="0"/>
               <a:pPr/>
-              <a:t>‹nº›</a:t>
+              <a:t>‹#›</a:t>
             </a:fld>
             <a:endParaRPr lang="en-US" dirty="0"/>
           </a:p>
@@ -611,7 +609,7 @@
           <a:p>
             <a:fld id="{1B80C674-7DFC-42FE-B9CD-82963CDB1557}" type="datetimeFigureOut">
               <a:rPr lang="en-US" dirty="0"/>
-              <a:t>5/15/16</a:t>
+              <a:t>5/16/16</a:t>
             </a:fld>
             <a:endParaRPr lang="en-US" dirty="0"/>
           </a:p>
@@ -653,7 +651,7 @@
           <a:p>
             <a:fld id="{6D22F896-40B5-4ADD-8801-0D06FADFA095}" type="slidenum">
               <a:rPr lang="en-US" dirty="0"/>
-              <a:t>‹nº›</a:t>
+              <a:t>‹#›</a:t>
             </a:fld>
             <a:endParaRPr lang="en-US" dirty="0"/>
           </a:p>
@@ -798,7 +796,7 @@
           <a:p>
             <a:fld id="{2076456F-F47D-4F25-8053-2A695DA0CA7D}" type="datetimeFigureOut">
               <a:rPr lang="en-US" dirty="0"/>
-              <a:t>5/15/16</a:t>
+              <a:t>5/16/16</a:t>
             </a:fld>
             <a:endParaRPr lang="en-US" dirty="0"/>
           </a:p>
@@ -840,7 +838,7 @@
           <a:p>
             <a:fld id="{6D22F896-40B5-4ADD-8801-0D06FADFA095}" type="slidenum">
               <a:rPr lang="en-US" dirty="0"/>
-              <a:t>‹nº›</a:t>
+              <a:t>‹#›</a:t>
             </a:fld>
             <a:endParaRPr lang="en-US" dirty="0"/>
           </a:p>
@@ -1054,7 +1052,7 @@
           <a:p>
             <a:fld id="{5D6C7379-69CC-4837-9905-BEBA22830C8A}" type="datetimeFigureOut">
               <a:rPr lang="en-US" dirty="0"/>
-              <a:t>5/15/16</a:t>
+              <a:t>5/16/16</a:t>
             </a:fld>
             <a:endParaRPr lang="en-US" dirty="0"/>
           </a:p>
@@ -1096,7 +1094,7 @@
           <a:p>
             <a:fld id="{6D22F896-40B5-4ADD-8801-0D06FADFA095}" type="slidenum">
               <a:rPr lang="en-US" dirty="0"/>
-              <a:t>‹nº›</a:t>
+              <a:t>‹#›</a:t>
             </a:fld>
             <a:endParaRPr lang="en-US" dirty="0"/>
           </a:p>
@@ -1475,7 +1473,7 @@
           <a:p>
             <a:fld id="{49EB8B7E-8AEE-4F10-BFEE-C999AD004D36}" type="datetimeFigureOut">
               <a:rPr lang="en-US" dirty="0"/>
-              <a:t>5/15/16</a:t>
+              <a:t>5/16/16</a:t>
             </a:fld>
             <a:endParaRPr lang="en-US" dirty="0"/>
           </a:p>
@@ -1517,7 +1515,7 @@
           <a:p>
             <a:fld id="{6D22F896-40B5-4ADD-8801-0D06FADFA095}" type="slidenum">
               <a:rPr lang="en-US" dirty="0"/>
-              <a:t>‹nº›</a:t>
+              <a:t>‹#›</a:t>
             </a:fld>
             <a:endParaRPr lang="en-US" dirty="0"/>
           </a:p>
@@ -2016,7 +2014,7 @@
           <a:p>
             <a:fld id="{8668F3F9-58BC-440B-B37B-805B9055EF92}" type="datetimeFigureOut">
               <a:rPr lang="en-US" dirty="0"/>
-              <a:t>5/15/16</a:t>
+              <a:t>5/16/16</a:t>
             </a:fld>
             <a:endParaRPr lang="en-US" dirty="0"/>
           </a:p>
@@ -2058,7 +2056,7 @@
           <a:p>
             <a:fld id="{6D22F896-40B5-4ADD-8801-0D06FADFA095}" type="slidenum">
               <a:rPr lang="en-US" dirty="0"/>
-              <a:t>‹nº›</a:t>
+              <a:t>‹#›</a:t>
             </a:fld>
             <a:endParaRPr lang="en-US" dirty="0"/>
           </a:p>
@@ -2842,7 +2840,7 @@
           <a:p>
             <a:fld id="{0D5A53AF-48EA-489D-8260-9DCAB666386A}" type="datetimeFigureOut">
               <a:rPr lang="en-US" dirty="0"/>
-              <a:t>5/15/16</a:t>
+              <a:t>5/16/16</a:t>
             </a:fld>
             <a:endParaRPr lang="en-US" dirty="0"/>
           </a:p>
@@ -2884,7 +2882,7 @@
           <a:p>
             <a:fld id="{6D22F896-40B5-4ADD-8801-0D06FADFA095}" type="slidenum">
               <a:rPr lang="en-US" dirty="0"/>
-              <a:t>‹nº›</a:t>
+              <a:t>‹#›</a:t>
             </a:fld>
             <a:endParaRPr lang="en-US" dirty="0"/>
           </a:p>
@@ -3007,7 +3005,7 @@
           <a:p>
             <a:fld id="{0DED02AE-B9A4-47BD-AF8E-97E16144138B}" type="datetimeFigureOut">
               <a:rPr lang="en-US" dirty="0"/>
-              <a:t>5/15/16</a:t>
+              <a:t>5/16/16</a:t>
             </a:fld>
             <a:endParaRPr lang="en-US" dirty="0"/>
           </a:p>
@@ -3049,7 +3047,7 @@
           <a:p>
             <a:fld id="{6D22F896-40B5-4ADD-8801-0D06FADFA095}" type="slidenum">
               <a:rPr lang="en-US" dirty="0"/>
-              <a:t>‹nº›</a:t>
+              <a:t>‹#›</a:t>
             </a:fld>
             <a:endParaRPr lang="en-US" dirty="0"/>
           </a:p>
@@ -3182,7 +3180,7 @@
           <a:p>
             <a:fld id="{CF0FD78B-DB02-4362-BCDC-98A55456977C}" type="datetimeFigureOut">
               <a:rPr lang="en-US" dirty="0"/>
-              <a:t>5/15/16</a:t>
+              <a:t>5/16/16</a:t>
             </a:fld>
             <a:endParaRPr lang="en-US" dirty="0"/>
           </a:p>
@@ -3224,7 +3222,7 @@
           <a:p>
             <a:fld id="{6D22F896-40B5-4ADD-8801-0D06FADFA095}" type="slidenum">
               <a:rPr lang="en-US" dirty="0"/>
-              <a:t>‹nº›</a:t>
+              <a:t>‹#›</a:t>
             </a:fld>
             <a:endParaRPr lang="en-US" dirty="0"/>
           </a:p>
@@ -3347,7 +3345,7 @@
           <a:p>
             <a:fld id="{99916976-5D93-46E4-A98A-FAD63E4D0EA8}" type="datetimeFigureOut">
               <a:rPr lang="en-US" dirty="0"/>
-              <a:t>5/15/16</a:t>
+              <a:t>5/16/16</a:t>
             </a:fld>
             <a:endParaRPr lang="en-US" dirty="0"/>
           </a:p>
@@ -3389,7 +3387,7 @@
           <a:p>
             <a:fld id="{6D22F896-40B5-4ADD-8801-0D06FADFA095}" type="slidenum">
               <a:rPr lang="en-US" dirty="0"/>
-              <a:t>‹nº›</a:t>
+              <a:t>‹#›</a:t>
             </a:fld>
             <a:endParaRPr lang="en-US" dirty="0"/>
           </a:p>
@@ -3599,7 +3597,7 @@
           <a:p>
             <a:fld id="{0F39F4F5-F4D2-4D2A-AB60-88D37ADCB869}" type="datetimeFigureOut">
               <a:rPr lang="en-US" dirty="0"/>
-              <a:t>5/15/16</a:t>
+              <a:t>5/16/16</a:t>
             </a:fld>
             <a:endParaRPr lang="en-US" dirty="0"/>
           </a:p>
@@ -3641,7 +3639,7 @@
           <a:p>
             <a:fld id="{6D22F896-40B5-4ADD-8801-0D06FADFA095}" type="slidenum">
               <a:rPr lang="en-US" dirty="0"/>
-              <a:t>‹nº›</a:t>
+              <a:t>‹#›</a:t>
             </a:fld>
             <a:endParaRPr lang="en-US" dirty="0"/>
           </a:p>
@@ -3826,7 +3824,7 @@
           <a:p>
             <a:fld id="{D23BC6CE-6D1E-47E5-8859-F31AC5380EB2}" type="datetimeFigureOut">
               <a:rPr lang="en-US" dirty="0"/>
-              <a:t>5/15/16</a:t>
+              <a:t>5/16/16</a:t>
             </a:fld>
             <a:endParaRPr lang="en-US" dirty="0"/>
           </a:p>
@@ -3868,7 +3866,7 @@
           <a:p>
             <a:fld id="{6D22F896-40B5-4ADD-8801-0D06FADFA095}" type="slidenum">
               <a:rPr lang="en-US" dirty="0"/>
-              <a:t>‹nº›</a:t>
+              <a:t>‹#›</a:t>
             </a:fld>
             <a:endParaRPr lang="en-US" dirty="0"/>
           </a:p>
@@ -4214,7 +4212,7 @@
           <a:p>
             <a:fld id="{B1B4E7C4-4DA4-404D-9965-B13F2DD7D8BF}" type="datetimeFigureOut">
               <a:rPr lang="en-US" dirty="0"/>
-              <a:t>5/15/16</a:t>
+              <a:t>5/16/16</a:t>
             </a:fld>
             <a:endParaRPr lang="en-US" dirty="0"/>
           </a:p>
@@ -4256,7 +4254,7 @@
           <a:p>
             <a:fld id="{6D22F896-40B5-4ADD-8801-0D06FADFA095}" type="slidenum">
               <a:rPr lang="en-US" dirty="0"/>
-              <a:t>‹nº›</a:t>
+              <a:t>‹#›</a:t>
             </a:fld>
             <a:endParaRPr lang="en-US" dirty="0"/>
           </a:p>
@@ -4327,7 +4325,7 @@
           <a:p>
             <a:fld id="{476FB7AA-4A53-424F-AD41-70827B6504BA}" type="datetimeFigureOut">
               <a:rPr lang="en-US" dirty="0"/>
-              <a:t>5/15/16</a:t>
+              <a:t>5/16/16</a:t>
             </a:fld>
             <a:endParaRPr lang="en-US" dirty="0"/>
           </a:p>
@@ -4369,7 +4367,7 @@
           <a:p>
             <a:fld id="{6D22F896-40B5-4ADD-8801-0D06FADFA095}" type="slidenum">
               <a:rPr lang="en-US" dirty="0"/>
-              <a:t>‹nº›</a:t>
+              <a:t>‹#›</a:t>
             </a:fld>
             <a:endParaRPr lang="en-US" dirty="0"/>
           </a:p>
@@ -4417,7 +4415,7 @@
           <a:p>
             <a:fld id="{E7884882-FB12-4BC8-9960-9AD8104D7FAE}" type="datetimeFigureOut">
               <a:rPr lang="en-US" dirty="0"/>
-              <a:t>5/15/16</a:t>
+              <a:t>5/16/16</a:t>
             </a:fld>
             <a:endParaRPr lang="en-US" dirty="0"/>
           </a:p>
@@ -4459,7 +4457,7 @@
           <a:p>
             <a:fld id="{6D22F896-40B5-4ADD-8801-0D06FADFA095}" type="slidenum">
               <a:rPr lang="en-US" dirty="0"/>
-              <a:t>‹nº›</a:t>
+              <a:t>‹#›</a:t>
             </a:fld>
             <a:endParaRPr lang="en-US" dirty="0"/>
           </a:p>
@@ -4685,7 +4683,7 @@
           <a:p>
             <a:fld id="{F7D1BD23-6E54-4D9D-AD88-A2813C73CC25}" type="datetimeFigureOut">
               <a:rPr lang="en-US" dirty="0"/>
-              <a:t>5/15/16</a:t>
+              <a:t>5/16/16</a:t>
             </a:fld>
             <a:endParaRPr lang="en-US" dirty="0"/>
           </a:p>
@@ -4727,7 +4725,7 @@
           <a:p>
             <a:fld id="{6D22F896-40B5-4ADD-8801-0D06FADFA095}" type="slidenum">
               <a:rPr lang="en-US" dirty="0"/>
-              <a:t>‹nº›</a:t>
+              <a:t>‹#›</a:t>
             </a:fld>
             <a:endParaRPr lang="en-US" dirty="0"/>
           </a:p>
@@ -4961,7 +4959,7 @@
           <a:p>
             <a:fld id="{1471A834-4F3C-4AF9-9C74-05EC35A0F292}" type="datetimeFigureOut">
               <a:rPr lang="en-US" dirty="0"/>
-              <a:t>5/15/16</a:t>
+              <a:t>5/16/16</a:t>
             </a:fld>
             <a:endParaRPr lang="en-US" dirty="0"/>
           </a:p>
@@ -5003,7 +5001,7 @@
           <a:p>
             <a:fld id="{6D22F896-40B5-4ADD-8801-0D06FADFA095}" type="slidenum">
               <a:rPr lang="en-US" dirty="0"/>
-              <a:t>‹nº›</a:t>
+              <a:t>‹#›</a:t>
             </a:fld>
             <a:endParaRPr lang="en-US" dirty="0"/>
           </a:p>
@@ -5196,7 +5194,7 @@
           <a:p>
             <a:fld id="{51CF1133-3259-4C45-BABA-5B62D9C6F78D}" type="datetimeFigureOut">
               <a:rPr lang="en-US" dirty="0"/>
-              <a:t>5/15/16</a:t>
+              <a:t>5/16/16</a:t>
             </a:fld>
             <a:endParaRPr lang="en-US" dirty="0"/>
           </a:p>
@@ -5311,7 +5309,7 @@
             <a:fld id="{6D22F896-40B5-4ADD-8801-0D06FADFA095}" type="slidenum">
               <a:rPr lang="en-US" dirty="0"/>
               <a:pPr/>
-              <a:t>‹nº›</a:t>
+              <a:t>‹#›</a:t>
             </a:fld>
             <a:endParaRPr lang="en-US" dirty="0"/>
           </a:p>
@@ -7089,11 +7087,6 @@
               </a:rPr>
               <a:t>)!</a:t>
             </a:r>
-            <a:endParaRPr lang="pt-PT" dirty="0" smtClean="0">
-              <a:solidFill>
-                <a:schemeClr val="accent1"/>
-              </a:solidFill>
-            </a:endParaRPr>
           </a:p>
         </p:txBody>
       </p:sp>
@@ -10344,24 +10337,24 @@
               <a:t>://</a:t>
             </a:r>
             <a:r>
-              <a:rPr lang="pt-PT" dirty="0" err="1"/>
+              <a:rPr lang="pt-PT" dirty="0" err="1" smtClean="0"/>
               <a:t>github.com</a:t>
             </a:r>
             <a:r>
-              <a:rPr lang="pt-PT" dirty="0"/>
+              <a:rPr lang="pt-PT" dirty="0" smtClean="0"/>
               <a:t>/</a:t>
             </a:r>
             <a:r>
-              <a:rPr lang="pt-PT" dirty="0" err="1"/>
+              <a:rPr lang="pt-PT" dirty="0" err="1" smtClean="0"/>
               <a:t>pasadinhas</a:t>
             </a:r>
             <a:r>
-              <a:rPr lang="pt-PT" dirty="0"/>
+              <a:rPr lang="pt-PT" dirty="0" smtClean="0"/>
               <a:t>/</a:t>
             </a:r>
             <a:r>
-              <a:rPr lang="pt-PT" dirty="0" err="1"/>
-              <a:t>autoboxing-profiler</a:t>
+              <a:rPr lang="pt-PT" dirty="0" err="1" smtClean="0"/>
+              <a:t>MochaProtocol</a:t>
             </a:r>
             <a:endParaRPr lang="pt-PT" dirty="0"/>
           </a:p>
@@ -10420,193 +10413,42 @@
           <a:lstStyle/>
           <a:p>
             <a:r>
-              <a:rPr lang="pt-PT" dirty="0" err="1" smtClean="0"/>
-              <a:t>Algorithm</a:t>
+              <a:rPr lang="pt-PT" dirty="0" smtClean="0"/>
+              <a:t>API</a:t>
             </a:r>
             <a:endParaRPr lang="pt-PT" dirty="0"/>
           </a:p>
         </p:txBody>
       </p:sp>
-      <p:sp>
-        <p:nvSpPr>
-          <p:cNvPr id="3" name="Content Placeholder 2"/>
-          <p:cNvSpPr>
-            <a:spLocks noGrp="1"/>
-          </p:cNvSpPr>
+      <p:pic>
+        <p:nvPicPr>
+          <p:cNvPr id="5" name="Content Placeholder 4"/>
+          <p:cNvPicPr>
+            <a:picLocks noGrp="1" noChangeAspect="1"/>
+          </p:cNvPicPr>
           <p:nvPr>
             <p:ph idx="1"/>
           </p:nvPr>
-        </p:nvSpPr>
-        <p:spPr/>
-        <p:txBody>
-          <a:bodyPr anchor="ctr"/>
-          <a:lstStyle/>
-          <a:p>
-            <a:pPr marL="514350" indent="-514350" algn="ctr">
-              <a:buFont typeface="+mj-lt"/>
-              <a:buAutoNum type="arabicPeriod"/>
-            </a:pPr>
-            <a:r>
-              <a:rPr lang="pt-PT" dirty="0" err="1" smtClean="0"/>
-              <a:t>Instrument</a:t>
-            </a:r>
-            <a:r>
-              <a:rPr lang="pt-PT" dirty="0" smtClean="0"/>
-              <a:t> </a:t>
-            </a:r>
-            <a:r>
-              <a:rPr lang="pt-PT" dirty="0" err="1" smtClean="0"/>
-              <a:t>boxing</a:t>
-            </a:r>
-            <a:r>
-              <a:rPr lang="pt-PT" dirty="0" smtClean="0"/>
-              <a:t> </a:t>
-            </a:r>
-            <a:r>
-              <a:rPr lang="pt-PT" dirty="0" err="1" smtClean="0"/>
-              <a:t>and</a:t>
-            </a:r>
-            <a:r>
-              <a:rPr lang="pt-PT" dirty="0" smtClean="0"/>
-              <a:t> </a:t>
-            </a:r>
-            <a:r>
-              <a:rPr lang="pt-PT" dirty="0" err="1" smtClean="0"/>
-              <a:t>unboxing</a:t>
-            </a:r>
-            <a:r>
-              <a:rPr lang="pt-PT" dirty="0" smtClean="0"/>
-              <a:t> </a:t>
-            </a:r>
-            <a:r>
-              <a:rPr lang="pt-PT" dirty="0" err="1" smtClean="0"/>
-              <a:t>method</a:t>
-            </a:r>
-            <a:r>
-              <a:rPr lang="pt-PT" dirty="0" smtClean="0"/>
-              <a:t> </a:t>
-            </a:r>
-            <a:r>
-              <a:rPr lang="pt-PT" dirty="0" err="1" smtClean="0"/>
-              <a:t>calls</a:t>
-            </a:r>
-            <a:endParaRPr lang="pt-PT" dirty="0" smtClean="0"/>
-          </a:p>
-          <a:p>
-            <a:pPr marL="514350" indent="-514350" algn="ctr">
-              <a:buFont typeface="+mj-lt"/>
-              <a:buAutoNum type="arabicPeriod"/>
-            </a:pPr>
-            <a:r>
-              <a:rPr lang="pt-PT" dirty="0" err="1" smtClean="0"/>
-              <a:t>Instrument</a:t>
-            </a:r>
-            <a:r>
-              <a:rPr lang="pt-PT" dirty="0" smtClean="0"/>
-              <a:t> </a:t>
-            </a:r>
-            <a:r>
-              <a:rPr lang="pt-PT" dirty="0" err="1" smtClean="0"/>
-              <a:t>the</a:t>
-            </a:r>
-            <a:r>
-              <a:rPr lang="pt-PT" dirty="0" smtClean="0"/>
-              <a:t> </a:t>
-            </a:r>
-            <a:r>
-              <a:rPr lang="pt-PT" dirty="0" err="1" smtClean="0"/>
-              <a:t>code</a:t>
-            </a:r>
-            <a:r>
-              <a:rPr lang="pt-PT" dirty="0" smtClean="0"/>
-              <a:t> to print </a:t>
-            </a:r>
-            <a:r>
-              <a:rPr lang="pt-PT" dirty="0" err="1" smtClean="0"/>
-              <a:t>the</a:t>
-            </a:r>
-            <a:r>
-              <a:rPr lang="pt-PT" dirty="0" smtClean="0"/>
-              <a:t> </a:t>
-            </a:r>
-            <a:r>
-              <a:rPr lang="pt-PT" dirty="0" err="1" smtClean="0"/>
-              <a:t>results</a:t>
-            </a:r>
-            <a:r>
-              <a:rPr lang="pt-PT" dirty="0" smtClean="0"/>
-              <a:t> </a:t>
-            </a:r>
-            <a:r>
-              <a:rPr lang="pt-PT" dirty="0" err="1" smtClean="0"/>
-              <a:t>after</a:t>
-            </a:r>
-            <a:r>
-              <a:rPr lang="pt-PT" dirty="0" smtClean="0"/>
-              <a:t> </a:t>
-            </a:r>
-            <a:r>
-              <a:rPr lang="pt-PT" dirty="0" err="1" smtClean="0"/>
-              <a:t>executing</a:t>
-            </a:r>
-            <a:endParaRPr lang="pt-PT" dirty="0"/>
-          </a:p>
-        </p:txBody>
-      </p:sp>
-      <p:sp>
-        <p:nvSpPr>
-          <p:cNvPr id="4" name="TextBox 3"/>
-          <p:cNvSpPr txBox="1"/>
-          <p:nvPr/>
-        </p:nvSpPr>
+        </p:nvPicPr>
+        <p:blipFill>
+          <a:blip r:embed="rId2">
+            <a:extLst>
+              <a:ext uri="{28A0092B-C50C-407E-A947-70E740481C1C}">
+                <a14:useLocalDpi xmlns:a14="http://schemas.microsoft.com/office/drawing/2010/main" val="0"/>
+              </a:ext>
+            </a:extLst>
+          </a:blip>
+          <a:stretch>
+            <a:fillRect/>
+          </a:stretch>
+        </p:blipFill>
         <p:spPr>
           <a:xfrm>
-            <a:off x="6427694" y="6176963"/>
-            <a:ext cx="5027338" cy="369332"/>
+            <a:off x="2960966" y="1690688"/>
+            <a:ext cx="6270067" cy="4630723"/>
           </a:xfrm>
-          <a:prstGeom prst="rect">
-            <a:avLst/>
-          </a:prstGeom>
-          <a:noFill/>
         </p:spPr>
-        <p:txBody>
-          <a:bodyPr wrap="none" rtlCol="0">
-            <a:spAutoFit/>
-          </a:bodyPr>
-          <a:lstStyle/>
-          <a:p>
-            <a:r>
-              <a:rPr lang="pt-PT" dirty="0" err="1"/>
-              <a:t>https</a:t>
-            </a:r>
-            <a:r>
-              <a:rPr lang="pt-PT" dirty="0"/>
-              <a:t>://</a:t>
-            </a:r>
-            <a:r>
-              <a:rPr lang="pt-PT" dirty="0" err="1"/>
-              <a:t>github.com</a:t>
-            </a:r>
-            <a:r>
-              <a:rPr lang="pt-PT" dirty="0"/>
-              <a:t>/</a:t>
-            </a:r>
-            <a:r>
-              <a:rPr lang="pt-PT" dirty="0" err="1"/>
-              <a:t>pasadinhas</a:t>
-            </a:r>
-            <a:r>
-              <a:rPr lang="pt-PT" dirty="0"/>
-              <a:t>/</a:t>
-            </a:r>
-            <a:r>
-              <a:rPr lang="pt-PT" dirty="0" err="1"/>
-              <a:t>autoboxing-profiler</a:t>
-            </a:r>
-            <a:endParaRPr lang="pt-PT" dirty="0"/>
-          </a:p>
-        </p:txBody>
-      </p:sp>
+      </p:pic>
     </p:spTree>
     <p:extLst>
       <p:ext uri="{BB962C8B-B14F-4D97-AF65-F5344CB8AC3E}">
@@ -10660,281 +10502,46 @@
           <a:lstStyle/>
           <a:p>
             <a:r>
-              <a:rPr lang="pt-PT" dirty="0" err="1" smtClean="0"/>
-              <a:t>Algorithm</a:t>
+              <a:rPr lang="pt-PT" dirty="0" smtClean="0"/>
+              <a:t>API</a:t>
             </a:r>
             <a:endParaRPr lang="pt-PT" dirty="0"/>
           </a:p>
         </p:txBody>
       </p:sp>
-      <p:sp>
-        <p:nvSpPr>
-          <p:cNvPr id="3" name="Content Placeholder 2"/>
-          <p:cNvSpPr>
-            <a:spLocks noGrp="1"/>
-          </p:cNvSpPr>
+      <p:pic>
+        <p:nvPicPr>
+          <p:cNvPr id="4" name="Content Placeholder 3"/>
+          <p:cNvPicPr>
+            <a:picLocks noGrp="1" noChangeAspect="1"/>
+          </p:cNvPicPr>
           <p:nvPr>
             <p:ph idx="1"/>
           </p:nvPr>
-        </p:nvSpPr>
-        <p:spPr/>
-        <p:txBody>
-          <a:bodyPr anchor="ctr"/>
-          <a:lstStyle/>
-          <a:p>
-            <a:pPr marL="514350" indent="-514350" algn="ctr">
-              <a:buFont typeface="+mj-lt"/>
-              <a:buAutoNum type="arabicPeriod"/>
-            </a:pPr>
-            <a:r>
-              <a:rPr lang="pt-PT" b="1" dirty="0" err="1" smtClean="0">
-                <a:solidFill>
-                  <a:schemeClr val="accent6">
-                    <a:lumMod val="60000"/>
-                    <a:lumOff val="40000"/>
-                  </a:schemeClr>
-                </a:solidFill>
-              </a:rPr>
-              <a:t>Instrument</a:t>
-            </a:r>
-            <a:r>
-              <a:rPr lang="pt-PT" b="1" dirty="0" smtClean="0">
-                <a:solidFill>
-                  <a:schemeClr val="accent6">
-                    <a:lumMod val="60000"/>
-                    <a:lumOff val="40000"/>
-                  </a:schemeClr>
-                </a:solidFill>
-              </a:rPr>
-              <a:t> </a:t>
-            </a:r>
-            <a:r>
-              <a:rPr lang="pt-PT" b="1" dirty="0" err="1" smtClean="0">
-                <a:solidFill>
-                  <a:schemeClr val="accent6">
-                    <a:lumMod val="60000"/>
-                    <a:lumOff val="40000"/>
-                  </a:schemeClr>
-                </a:solidFill>
-              </a:rPr>
-              <a:t>boxing</a:t>
-            </a:r>
-            <a:r>
-              <a:rPr lang="pt-PT" b="1" dirty="0" smtClean="0">
-                <a:solidFill>
-                  <a:schemeClr val="accent6">
-                    <a:lumMod val="60000"/>
-                    <a:lumOff val="40000"/>
-                  </a:schemeClr>
-                </a:solidFill>
-              </a:rPr>
-              <a:t> </a:t>
-            </a:r>
-            <a:r>
-              <a:rPr lang="pt-PT" b="1" dirty="0" err="1" smtClean="0">
-                <a:solidFill>
-                  <a:schemeClr val="accent6">
-                    <a:lumMod val="60000"/>
-                    <a:lumOff val="40000"/>
-                  </a:schemeClr>
-                </a:solidFill>
-              </a:rPr>
-              <a:t>and</a:t>
-            </a:r>
-            <a:r>
-              <a:rPr lang="pt-PT" b="1" dirty="0" smtClean="0">
-                <a:solidFill>
-                  <a:schemeClr val="accent6">
-                    <a:lumMod val="60000"/>
-                    <a:lumOff val="40000"/>
-                  </a:schemeClr>
-                </a:solidFill>
-              </a:rPr>
-              <a:t> </a:t>
-            </a:r>
-            <a:r>
-              <a:rPr lang="pt-PT" b="1" dirty="0" err="1" smtClean="0">
-                <a:solidFill>
-                  <a:schemeClr val="accent6">
-                    <a:lumMod val="60000"/>
-                    <a:lumOff val="40000"/>
-                  </a:schemeClr>
-                </a:solidFill>
-              </a:rPr>
-              <a:t>unboxing</a:t>
-            </a:r>
-            <a:r>
-              <a:rPr lang="pt-PT" b="1" dirty="0" smtClean="0">
-                <a:solidFill>
-                  <a:schemeClr val="accent6">
-                    <a:lumMod val="60000"/>
-                    <a:lumOff val="40000"/>
-                  </a:schemeClr>
-                </a:solidFill>
-              </a:rPr>
-              <a:t> </a:t>
-            </a:r>
-            <a:r>
-              <a:rPr lang="pt-PT" b="1" dirty="0" err="1" smtClean="0">
-                <a:solidFill>
-                  <a:schemeClr val="accent6">
-                    <a:lumMod val="60000"/>
-                    <a:lumOff val="40000"/>
-                  </a:schemeClr>
-                </a:solidFill>
-              </a:rPr>
-              <a:t>method</a:t>
-            </a:r>
-            <a:r>
-              <a:rPr lang="pt-PT" b="1" dirty="0" smtClean="0">
-                <a:solidFill>
-                  <a:schemeClr val="accent6">
-                    <a:lumMod val="60000"/>
-                    <a:lumOff val="40000"/>
-                  </a:schemeClr>
-                </a:solidFill>
-              </a:rPr>
-              <a:t> </a:t>
-            </a:r>
-            <a:r>
-              <a:rPr lang="pt-PT" b="1" dirty="0" err="1" smtClean="0">
-                <a:solidFill>
-                  <a:schemeClr val="accent6">
-                    <a:lumMod val="60000"/>
-                    <a:lumOff val="40000"/>
-                  </a:schemeClr>
-                </a:solidFill>
-              </a:rPr>
-              <a:t>calls</a:t>
-            </a:r>
-            <a:endParaRPr lang="pt-PT" b="1" dirty="0" smtClean="0">
-              <a:solidFill>
-                <a:schemeClr val="accent6">
-                  <a:lumMod val="60000"/>
-                  <a:lumOff val="40000"/>
-                </a:schemeClr>
-              </a:solidFill>
-            </a:endParaRPr>
-          </a:p>
-          <a:p>
-            <a:pPr marL="514350" indent="-514350" algn="ctr">
-              <a:buFont typeface="+mj-lt"/>
-              <a:buAutoNum type="arabicPeriod"/>
-            </a:pPr>
-            <a:r>
-              <a:rPr lang="pt-PT" dirty="0" err="1" smtClean="0"/>
-              <a:t>Instrument</a:t>
-            </a:r>
-            <a:r>
-              <a:rPr lang="pt-PT" dirty="0" smtClean="0"/>
-              <a:t> </a:t>
-            </a:r>
-            <a:r>
-              <a:rPr lang="pt-PT" dirty="0" err="1" smtClean="0"/>
-              <a:t>the</a:t>
-            </a:r>
-            <a:r>
-              <a:rPr lang="pt-PT" dirty="0" smtClean="0"/>
-              <a:t> </a:t>
-            </a:r>
-            <a:r>
-              <a:rPr lang="pt-PT" dirty="0" err="1" smtClean="0"/>
-              <a:t>code</a:t>
-            </a:r>
-            <a:r>
-              <a:rPr lang="pt-PT" dirty="0" smtClean="0"/>
-              <a:t> to print </a:t>
-            </a:r>
-            <a:r>
-              <a:rPr lang="pt-PT" dirty="0" err="1" smtClean="0"/>
-              <a:t>the</a:t>
-            </a:r>
-            <a:r>
-              <a:rPr lang="pt-PT" dirty="0" smtClean="0"/>
-              <a:t> </a:t>
-            </a:r>
-            <a:r>
-              <a:rPr lang="pt-PT" dirty="0" err="1" smtClean="0"/>
-              <a:t>results</a:t>
-            </a:r>
-            <a:r>
-              <a:rPr lang="pt-PT" dirty="0" smtClean="0"/>
-              <a:t> </a:t>
-            </a:r>
-            <a:r>
-              <a:rPr lang="pt-PT" dirty="0" err="1" smtClean="0"/>
-              <a:t>after</a:t>
-            </a:r>
-            <a:r>
-              <a:rPr lang="pt-PT" dirty="0" smtClean="0"/>
-              <a:t> </a:t>
-            </a:r>
-            <a:r>
-              <a:rPr lang="pt-PT" dirty="0" err="1" smtClean="0"/>
-              <a:t>executing</a:t>
-            </a:r>
-            <a:endParaRPr lang="pt-PT" dirty="0"/>
-          </a:p>
-        </p:txBody>
-      </p:sp>
-      <p:sp>
-        <p:nvSpPr>
-          <p:cNvPr id="4" name="TextBox 3"/>
-          <p:cNvSpPr txBox="1"/>
-          <p:nvPr/>
-        </p:nvSpPr>
+        </p:nvPicPr>
+        <p:blipFill>
+          <a:blip r:embed="rId2">
+            <a:extLst>
+              <a:ext uri="{28A0092B-C50C-407E-A947-70E740481C1C}">
+                <a14:useLocalDpi xmlns:a14="http://schemas.microsoft.com/office/drawing/2010/main" val="0"/>
+              </a:ext>
+            </a:extLst>
+          </a:blip>
+          <a:stretch>
+            <a:fillRect/>
+          </a:stretch>
+        </p:blipFill>
         <p:spPr>
           <a:xfrm>
-            <a:off x="6427694" y="6176963"/>
-            <a:ext cx="5027338" cy="369332"/>
+            <a:off x="1341013" y="2631989"/>
+            <a:ext cx="9509973" cy="2346347"/>
           </a:xfrm>
-          <a:prstGeom prst="rect">
-            <a:avLst/>
-          </a:prstGeom>
-          <a:noFill/>
         </p:spPr>
-        <p:txBody>
-          <a:bodyPr wrap="none" rtlCol="0">
-            <a:spAutoFit/>
-          </a:bodyPr>
-          <a:lstStyle/>
-          <a:p>
-            <a:r>
-              <a:rPr lang="pt-PT" dirty="0" err="1"/>
-              <a:t>https</a:t>
-            </a:r>
-            <a:r>
-              <a:rPr lang="pt-PT" dirty="0"/>
-              <a:t>://</a:t>
-            </a:r>
-            <a:r>
-              <a:rPr lang="pt-PT" dirty="0" err="1"/>
-              <a:t>github.com</a:t>
-            </a:r>
-            <a:r>
-              <a:rPr lang="pt-PT" dirty="0"/>
-              <a:t>/</a:t>
-            </a:r>
-            <a:r>
-              <a:rPr lang="pt-PT" dirty="0" err="1"/>
-              <a:t>pasadinhas</a:t>
-            </a:r>
-            <a:r>
-              <a:rPr lang="pt-PT" dirty="0"/>
-              <a:t>/</a:t>
-            </a:r>
-            <a:r>
-              <a:rPr lang="pt-PT" dirty="0" err="1"/>
-              <a:t>autoboxing-profiler</a:t>
-            </a:r>
-            <a:endParaRPr lang="pt-PT" dirty="0"/>
-          </a:p>
-        </p:txBody>
-      </p:sp>
+      </p:pic>
     </p:spTree>
     <p:extLst>
       <p:ext uri="{BB962C8B-B14F-4D97-AF65-F5344CB8AC3E}">
-        <p14:creationId xmlns:p14="http://schemas.microsoft.com/office/powerpoint/2010/main" val="1180163155"/>
+        <p14:creationId xmlns:p14="http://schemas.microsoft.com/office/powerpoint/2010/main" val="1313561611"/>
       </p:ext>
     </p:extLst>
   </p:cSld>
@@ -10984,34 +10591,12 @@
           <a:lstStyle/>
           <a:p>
             <a:r>
-              <a:rPr lang="pt-PT" dirty="0" err="1" smtClean="0"/>
-              <a:t>Algorithm</a:t>
-            </a:r>
-            <a:endParaRPr lang="pt-PT" dirty="0"/>
-          </a:p>
-        </p:txBody>
-      </p:sp>
-      <p:sp>
-        <p:nvSpPr>
-          <p:cNvPr id="3" name="Content Placeholder 2"/>
-          <p:cNvSpPr>
-            <a:spLocks noGrp="1"/>
-          </p:cNvSpPr>
-          <p:nvPr>
-            <p:ph idx="1"/>
-          </p:nvPr>
-        </p:nvSpPr>
-        <p:spPr/>
-        <p:txBody>
-          <a:bodyPr anchor="ctr"/>
-          <a:lstStyle/>
-          <a:p>
-            <a:pPr marL="0" indent="0" algn="ctr">
-              <a:buNone/>
-            </a:pPr>
-            <a:r>
-              <a:rPr lang="pt-PT" dirty="0" err="1" smtClean="0"/>
-              <a:t>Iterate</a:t>
+              <a:rPr lang="pt-PT" dirty="0" err="1" smtClean="0">
+                <a:latin typeface="Consolas" charset="0"/>
+                <a:ea typeface="Consolas" charset="0"/>
+                <a:cs typeface="Consolas" charset="0"/>
+              </a:rPr>
+              <a:t>call</a:t>
             </a:r>
             <a:r>
               <a:rPr lang="pt-PT" dirty="0" smtClean="0"/>
@@ -11019,86 +10604,45 @@
             </a:r>
             <a:r>
               <a:rPr lang="pt-PT" dirty="0" err="1" smtClean="0"/>
-              <a:t>all</a:t>
-            </a:r>
-            <a:r>
-              <a:rPr lang="pt-PT" dirty="0" smtClean="0"/>
-              <a:t> </a:t>
-            </a:r>
-            <a:r>
-              <a:rPr lang="pt-PT" dirty="0" err="1" smtClean="0"/>
-              <a:t>declared</a:t>
-            </a:r>
-            <a:r>
-              <a:rPr lang="pt-PT" dirty="0" smtClean="0"/>
-              <a:t> </a:t>
-            </a:r>
-            <a:r>
-              <a:rPr lang="pt-PT" dirty="0" err="1" smtClean="0"/>
-              <a:t>behaviours</a:t>
+              <a:t>method</a:t>
             </a:r>
             <a:endParaRPr lang="pt-PT" dirty="0"/>
           </a:p>
         </p:txBody>
       </p:sp>
-      <p:sp>
-        <p:nvSpPr>
-          <p:cNvPr id="4" name="TextBox 3"/>
-          <p:cNvSpPr txBox="1"/>
-          <p:nvPr/>
-        </p:nvSpPr>
+      <p:pic>
+        <p:nvPicPr>
+          <p:cNvPr id="6" name="Content Placeholder 5"/>
+          <p:cNvPicPr>
+            <a:picLocks noGrp="1" noChangeAspect="1"/>
+          </p:cNvPicPr>
+          <p:nvPr>
+            <p:ph idx="1"/>
+          </p:nvPr>
+        </p:nvPicPr>
+        <p:blipFill>
+          <a:blip r:embed="rId2">
+            <a:extLst>
+              <a:ext uri="{28A0092B-C50C-407E-A947-70E740481C1C}">
+                <a14:useLocalDpi xmlns:a14="http://schemas.microsoft.com/office/drawing/2010/main" val="0"/>
+              </a:ext>
+            </a:extLst>
+          </a:blip>
+          <a:stretch>
+            <a:fillRect/>
+          </a:stretch>
+        </p:blipFill>
         <p:spPr>
           <a:xfrm>
-            <a:off x="6427694" y="6176963"/>
-            <a:ext cx="5027338" cy="369332"/>
+            <a:off x="3335470" y="1504348"/>
+            <a:ext cx="5521060" cy="4984167"/>
           </a:xfrm>
-          <a:prstGeom prst="rect">
-            <a:avLst/>
-          </a:prstGeom>
-          <a:noFill/>
         </p:spPr>
-        <p:txBody>
-          <a:bodyPr wrap="none" rtlCol="0">
-            <a:spAutoFit/>
-          </a:bodyPr>
-          <a:lstStyle/>
-          <a:p>
-            <a:r>
-              <a:rPr lang="pt-PT" dirty="0" err="1"/>
-              <a:t>https</a:t>
-            </a:r>
-            <a:r>
-              <a:rPr lang="pt-PT" dirty="0"/>
-              <a:t>://</a:t>
-            </a:r>
-            <a:r>
-              <a:rPr lang="pt-PT" dirty="0" err="1"/>
-              <a:t>github.com</a:t>
-            </a:r>
-            <a:r>
-              <a:rPr lang="pt-PT" dirty="0"/>
-              <a:t>/</a:t>
-            </a:r>
-            <a:r>
-              <a:rPr lang="pt-PT" dirty="0" err="1"/>
-              <a:t>pasadinhas</a:t>
-            </a:r>
-            <a:r>
-              <a:rPr lang="pt-PT" dirty="0"/>
-              <a:t>/</a:t>
-            </a:r>
-            <a:r>
-              <a:rPr lang="pt-PT" dirty="0" err="1"/>
-              <a:t>autoboxing-profiler</a:t>
-            </a:r>
-            <a:endParaRPr lang="pt-PT" dirty="0"/>
-          </a:p>
-        </p:txBody>
-      </p:sp>
+      </p:pic>
     </p:spTree>
     <p:extLst>
       <p:ext uri="{BB962C8B-B14F-4D97-AF65-F5344CB8AC3E}">
-        <p14:creationId xmlns:p14="http://schemas.microsoft.com/office/powerpoint/2010/main" val="1360611399"/>
+        <p14:creationId xmlns:p14="http://schemas.microsoft.com/office/powerpoint/2010/main" val="1180163155"/>
       </p:ext>
     </p:extLst>
   </p:cSld>
@@ -11149,33 +10693,7 @@
           <a:p>
             <a:r>
               <a:rPr lang="pt-PT" dirty="0" err="1" smtClean="0"/>
-              <a:t>Algorithm</a:t>
-            </a:r>
-            <a:endParaRPr lang="pt-PT" dirty="0"/>
-          </a:p>
-        </p:txBody>
-      </p:sp>
-      <p:sp>
-        <p:nvSpPr>
-          <p:cNvPr id="3" name="Content Placeholder 2"/>
-          <p:cNvSpPr>
-            <a:spLocks noGrp="1"/>
-          </p:cNvSpPr>
-          <p:nvPr>
-            <p:ph idx="1"/>
-          </p:nvPr>
-        </p:nvSpPr>
-        <p:spPr/>
-        <p:txBody>
-          <a:bodyPr anchor="ctr"/>
-          <a:lstStyle/>
-          <a:p>
-            <a:pPr marL="0" indent="0" algn="ctr">
-              <a:buNone/>
-            </a:pPr>
-            <a:r>
-              <a:rPr lang="pt-PT" dirty="0" err="1" smtClean="0"/>
-              <a:t>Instrument</a:t>
+              <a:t>Comparing</a:t>
             </a:r>
             <a:r>
               <a:rPr lang="pt-PT" dirty="0" smtClean="0"/>
@@ -11183,78 +10701,45 @@
             </a:r>
             <a:r>
               <a:rPr lang="pt-PT" dirty="0" err="1" smtClean="0"/>
-              <a:t>method</a:t>
-            </a:r>
-            <a:r>
-              <a:rPr lang="pt-PT" dirty="0" smtClean="0"/>
-              <a:t> </a:t>
-            </a:r>
-            <a:r>
-              <a:rPr lang="pt-PT" dirty="0" err="1" smtClean="0"/>
-              <a:t>calls</a:t>
+              <a:t>GFMethod</a:t>
             </a:r>
             <a:endParaRPr lang="pt-PT" dirty="0"/>
           </a:p>
         </p:txBody>
       </p:sp>
-      <p:sp>
-        <p:nvSpPr>
-          <p:cNvPr id="4" name="TextBox 3"/>
-          <p:cNvSpPr txBox="1"/>
-          <p:nvPr/>
-        </p:nvSpPr>
+      <p:pic>
+        <p:nvPicPr>
+          <p:cNvPr id="6" name="Content Placeholder 5"/>
+          <p:cNvPicPr>
+            <a:picLocks noGrp="1" noChangeAspect="1"/>
+          </p:cNvPicPr>
+          <p:nvPr>
+            <p:ph idx="1"/>
+          </p:nvPr>
+        </p:nvPicPr>
+        <p:blipFill>
+          <a:blip r:embed="rId2">
+            <a:extLst>
+              <a:ext uri="{28A0092B-C50C-407E-A947-70E740481C1C}">
+                <a14:useLocalDpi xmlns:a14="http://schemas.microsoft.com/office/drawing/2010/main" val="0"/>
+              </a:ext>
+            </a:extLst>
+          </a:blip>
+          <a:stretch>
+            <a:fillRect/>
+          </a:stretch>
+        </p:blipFill>
         <p:spPr>
           <a:xfrm>
-            <a:off x="6427694" y="6176963"/>
-            <a:ext cx="5027338" cy="369332"/>
+            <a:off x="2906874" y="1690688"/>
+            <a:ext cx="6378252" cy="4853018"/>
           </a:xfrm>
-          <a:prstGeom prst="rect">
-            <a:avLst/>
-          </a:prstGeom>
-          <a:noFill/>
         </p:spPr>
-        <p:txBody>
-          <a:bodyPr wrap="none" rtlCol="0">
-            <a:spAutoFit/>
-          </a:bodyPr>
-          <a:lstStyle/>
-          <a:p>
-            <a:r>
-              <a:rPr lang="pt-PT" dirty="0" err="1"/>
-              <a:t>https</a:t>
-            </a:r>
-            <a:r>
-              <a:rPr lang="pt-PT" dirty="0"/>
-              <a:t>://</a:t>
-            </a:r>
-            <a:r>
-              <a:rPr lang="pt-PT" dirty="0" err="1"/>
-              <a:t>github.com</a:t>
-            </a:r>
-            <a:r>
-              <a:rPr lang="pt-PT" dirty="0"/>
-              <a:t>/</a:t>
-            </a:r>
-            <a:r>
-              <a:rPr lang="pt-PT" dirty="0" err="1"/>
-              <a:t>pasadinhas</a:t>
-            </a:r>
-            <a:r>
-              <a:rPr lang="pt-PT" dirty="0"/>
-              <a:t>/</a:t>
-            </a:r>
-            <a:r>
-              <a:rPr lang="pt-PT" dirty="0" err="1"/>
-              <a:t>autoboxing-profiler</a:t>
-            </a:r>
-            <a:endParaRPr lang="pt-PT" dirty="0"/>
-          </a:p>
-        </p:txBody>
-      </p:sp>
+      </p:pic>
     </p:spTree>
     <p:extLst>
       <p:ext uri="{BB962C8B-B14F-4D97-AF65-F5344CB8AC3E}">
-        <p14:creationId xmlns:p14="http://schemas.microsoft.com/office/powerpoint/2010/main" val="1598124652"/>
+        <p14:creationId xmlns:p14="http://schemas.microsoft.com/office/powerpoint/2010/main" val="1360611399"/>
       </p:ext>
     </p:extLst>
   </p:cSld>
@@ -11304,8 +10789,20 @@
           <a:lstStyle/>
           <a:p>
             <a:r>
+              <a:rPr lang="pt-PT" dirty="0" err="1" smtClean="0">
+                <a:latin typeface="Consolas" charset="0"/>
+                <a:ea typeface="Consolas" charset="0"/>
+                <a:cs typeface="Consolas" charset="0"/>
+              </a:rPr>
+              <a:t>computeDistance</a:t>
+            </a:r>
+            <a:r>
+              <a:rPr lang="pt-PT" dirty="0" smtClean="0"/>
+              <a:t> </a:t>
+            </a:r>
+            <a:r>
               <a:rPr lang="pt-PT" dirty="0" err="1" smtClean="0"/>
-              <a:t>Code</a:t>
+              <a:t>method</a:t>
             </a:r>
             <a:endParaRPr lang="pt-PT" dirty="0"/>
           </a:p>
@@ -11313,7 +10810,7 @@
       </p:sp>
       <p:pic>
         <p:nvPicPr>
-          <p:cNvPr id="8" name="Content Placeholder 7"/>
+          <p:cNvPr id="7" name="Content Placeholder 6"/>
           <p:cNvPicPr>
             <a:picLocks noGrp="1" noChangeAspect="1"/>
           </p:cNvPicPr>
@@ -11335,69 +10832,15 @@
         </p:blipFill>
         <p:spPr>
           <a:xfrm>
-            <a:off x="1120775" y="3144701"/>
-            <a:ext cx="10233025" cy="1713186"/>
+            <a:off x="2040967" y="1930680"/>
+            <a:ext cx="7404100" cy="3721100"/>
           </a:xfrm>
         </p:spPr>
       </p:pic>
-      <p:sp>
-        <p:nvSpPr>
-          <p:cNvPr id="9" name="TextBox 8"/>
-          <p:cNvSpPr txBox="1"/>
-          <p:nvPr/>
-        </p:nvSpPr>
-        <p:spPr>
-          <a:xfrm>
-            <a:off x="6427694" y="6176963"/>
-            <a:ext cx="5027338" cy="369332"/>
-          </a:xfrm>
-          <a:prstGeom prst="rect">
-            <a:avLst/>
-          </a:prstGeom>
-          <a:noFill/>
-        </p:spPr>
-        <p:txBody>
-          <a:bodyPr wrap="none" rtlCol="0">
-            <a:spAutoFit/>
-          </a:bodyPr>
-          <a:lstStyle/>
-          <a:p>
-            <a:r>
-              <a:rPr lang="pt-PT" dirty="0" err="1"/>
-              <a:t>https</a:t>
-            </a:r>
-            <a:r>
-              <a:rPr lang="pt-PT" dirty="0"/>
-              <a:t>://</a:t>
-            </a:r>
-            <a:r>
-              <a:rPr lang="pt-PT" dirty="0" err="1"/>
-              <a:t>github.com</a:t>
-            </a:r>
-            <a:r>
-              <a:rPr lang="pt-PT" dirty="0"/>
-              <a:t>/</a:t>
-            </a:r>
-            <a:r>
-              <a:rPr lang="pt-PT" dirty="0" err="1"/>
-              <a:t>pasadinhas</a:t>
-            </a:r>
-            <a:r>
-              <a:rPr lang="pt-PT" dirty="0"/>
-              <a:t>/</a:t>
-            </a:r>
-            <a:r>
-              <a:rPr lang="pt-PT" dirty="0" err="1"/>
-              <a:t>autoboxing-profiler</a:t>
-            </a:r>
-            <a:endParaRPr lang="pt-PT" dirty="0"/>
-          </a:p>
-        </p:txBody>
-      </p:sp>
     </p:spTree>
     <p:extLst>
       <p:ext uri="{BB962C8B-B14F-4D97-AF65-F5344CB8AC3E}">
-        <p14:creationId xmlns:p14="http://schemas.microsoft.com/office/powerpoint/2010/main" val="293202305"/>
+        <p14:creationId xmlns:p14="http://schemas.microsoft.com/office/powerpoint/2010/main" val="1598124652"/>
       </p:ext>
     </p:extLst>
   </p:cSld>
@@ -11536,62 +10979,25 @@
           <a:lstStyle/>
           <a:p>
             <a:r>
-              <a:rPr lang="pt-PT" dirty="0" err="1" smtClean="0"/>
-              <a:t>Code</a:t>
-            </a:r>
-            <a:endParaRPr lang="pt-PT" dirty="0"/>
-          </a:p>
-        </p:txBody>
-      </p:sp>
-      <p:sp>
-        <p:nvSpPr>
-          <p:cNvPr id="4" name="TextBox 3"/>
-          <p:cNvSpPr txBox="1"/>
-          <p:nvPr/>
-        </p:nvSpPr>
-        <p:spPr>
-          <a:xfrm>
-            <a:off x="6427694" y="6176963"/>
-            <a:ext cx="5027338" cy="369332"/>
-          </a:xfrm>
-          <a:prstGeom prst="rect">
-            <a:avLst/>
-          </a:prstGeom>
-          <a:noFill/>
-        </p:spPr>
-        <p:txBody>
-          <a:bodyPr wrap="none" rtlCol="0">
-            <a:spAutoFit/>
-          </a:bodyPr>
-          <a:lstStyle/>
-          <a:p>
-            <a:r>
-              <a:rPr lang="pt-PT" dirty="0" err="1"/>
-              <a:t>https</a:t>
-            </a:r>
-            <a:r>
-              <a:rPr lang="pt-PT" dirty="0"/>
-              <a:t>://</a:t>
-            </a:r>
-            <a:r>
-              <a:rPr lang="pt-PT" dirty="0" err="1"/>
-              <a:t>github.com</a:t>
-            </a:r>
-            <a:r>
-              <a:rPr lang="pt-PT" dirty="0"/>
-              <a:t>/</a:t>
-            </a:r>
-            <a:r>
-              <a:rPr lang="pt-PT" dirty="0" err="1"/>
-              <a:t>pasadinhas</a:t>
-            </a:r>
-            <a:r>
-              <a:rPr lang="pt-PT" dirty="0"/>
-              <a:t>/</a:t>
-            </a:r>
-            <a:r>
-              <a:rPr lang="pt-PT" dirty="0" err="1"/>
-              <a:t>autoboxing-profiler</a:t>
+              <a:rPr lang="pt-PT" dirty="0" err="1" smtClean="0">
+                <a:ea typeface="Consolas" charset="0"/>
+                <a:cs typeface="Consolas" charset="0"/>
+              </a:rPr>
+              <a:t>Extended</a:t>
+            </a:r>
+            <a:r>
+              <a:rPr lang="pt-PT" dirty="0" smtClean="0">
+                <a:ea typeface="Consolas" charset="0"/>
+                <a:cs typeface="Consolas" charset="0"/>
+              </a:rPr>
+              <a:t> </a:t>
+            </a:r>
+            <a:r>
+              <a:rPr lang="pt-PT" dirty="0" err="1" smtClean="0">
+                <a:ea typeface="Consolas" charset="0"/>
+                <a:cs typeface="Consolas" charset="0"/>
+              </a:rPr>
+              <a:t>Version</a:t>
             </a:r>
             <a:endParaRPr lang="pt-PT" dirty="0"/>
           </a:p>
@@ -11609,293 +11015,114 @@
         </p:nvSpPr>
         <p:spPr/>
         <p:txBody>
-          <a:bodyPr>
-            <a:normAutofit/>
-          </a:bodyPr>
+          <a:bodyPr/>
           <a:lstStyle/>
           <a:p>
+            <a:r>
+              <a:rPr lang="pt-PT" dirty="0" err="1"/>
+              <a:t>Custom</a:t>
+            </a:r>
+            <a:r>
+              <a:rPr lang="pt-PT" dirty="0"/>
+              <a:t> </a:t>
+            </a:r>
+            <a:r>
+              <a:rPr lang="pt-PT" dirty="0" err="1"/>
+              <a:t>Method</a:t>
+            </a:r>
+            <a:r>
+              <a:rPr lang="pt-PT" dirty="0"/>
+              <a:t> </a:t>
+            </a:r>
+            <a:r>
+              <a:rPr lang="pt-PT" dirty="0" err="1"/>
+              <a:t>Tags</a:t>
+            </a:r>
+            <a:endParaRPr lang="pt-PT" dirty="0"/>
+          </a:p>
+          <a:p>
+            <a:r>
+              <a:rPr lang="pt-PT" dirty="0" err="1" smtClean="0"/>
+              <a:t>Custom</a:t>
+            </a:r>
+            <a:r>
+              <a:rPr lang="pt-PT" dirty="0" smtClean="0"/>
+              <a:t> </a:t>
+            </a:r>
+            <a:r>
+              <a:rPr lang="pt-PT" dirty="0" err="1" smtClean="0"/>
+              <a:t>Combinators</a:t>
+            </a:r>
+            <a:endParaRPr lang="pt-PT" dirty="0" smtClean="0"/>
+          </a:p>
+          <a:p>
+            <a:r>
+              <a:rPr lang="pt-PT" dirty="0" err="1" smtClean="0"/>
+              <a:t>Custom</a:t>
+            </a:r>
+            <a:r>
+              <a:rPr lang="pt-PT" dirty="0" smtClean="0"/>
+              <a:t> </a:t>
+            </a:r>
+            <a:r>
+              <a:rPr lang="pt-PT" dirty="0" err="1" smtClean="0"/>
+              <a:t>Sorters</a:t>
+            </a:r>
+            <a:endParaRPr lang="pt-PT" dirty="0" smtClean="0"/>
+          </a:p>
+          <a:p>
+            <a:r>
+              <a:rPr lang="pt-PT" dirty="0" err="1" smtClean="0"/>
+              <a:t>Call</a:t>
+            </a:r>
+            <a:r>
+              <a:rPr lang="pt-PT" dirty="0" smtClean="0"/>
+              <a:t> </a:t>
+            </a:r>
+            <a:r>
+              <a:rPr lang="pt-PT" dirty="0" err="1"/>
+              <a:t>Next</a:t>
+            </a:r>
+            <a:r>
+              <a:rPr lang="pt-PT" dirty="0"/>
+              <a:t> </a:t>
+            </a:r>
+            <a:r>
+              <a:rPr lang="pt-PT" dirty="0" err="1" smtClean="0"/>
+              <a:t>Method</a:t>
+            </a:r>
+            <a:endParaRPr lang="pt-PT" dirty="0" smtClean="0"/>
+          </a:p>
+          <a:p>
+            <a:r>
+              <a:rPr lang="pt-PT" dirty="0" err="1"/>
+              <a:t>Around</a:t>
+            </a:r>
+            <a:r>
+              <a:rPr lang="pt-PT" dirty="0"/>
+              <a:t> </a:t>
+            </a:r>
+            <a:r>
+              <a:rPr lang="pt-PT" dirty="0" err="1"/>
+              <a:t>Combinator</a:t>
+            </a:r>
+            <a:endParaRPr lang="pt-PT" dirty="0"/>
+          </a:p>
+          <a:p>
             <a:pPr marL="0" indent="0">
               <a:buNone/>
             </a:pPr>
-            <a:endParaRPr lang="de-DE" sz="1800" dirty="0" smtClean="0">
-              <a:latin typeface="Hack" charset="0"/>
-              <a:ea typeface="Hack" charset="0"/>
-              <a:cs typeface="Hack" charset="0"/>
-            </a:endParaRPr>
-          </a:p>
-          <a:p>
-            <a:pPr marL="0" indent="0">
-              <a:buNone/>
-            </a:pPr>
-            <a:endParaRPr lang="de-DE" sz="1800" dirty="0">
-              <a:latin typeface="Hack" charset="0"/>
-              <a:ea typeface="Hack" charset="0"/>
-              <a:cs typeface="Hack" charset="0"/>
-            </a:endParaRPr>
-          </a:p>
-          <a:p>
-            <a:pPr marL="0" indent="0">
-              <a:buNone/>
-            </a:pPr>
-            <a:r>
-              <a:rPr lang="de-DE" sz="1800" dirty="0" smtClean="0">
-                <a:latin typeface="Hack" charset="0"/>
-                <a:ea typeface="Hack" charset="0"/>
-                <a:cs typeface="Hack" charset="0"/>
-              </a:rPr>
-              <a:t>{</a:t>
-            </a:r>
-          </a:p>
-          <a:p>
-            <a:pPr marL="0" indent="0">
-              <a:buNone/>
-            </a:pPr>
-            <a:r>
-              <a:rPr lang="de-DE" sz="1800" dirty="0">
-                <a:latin typeface="Hack" charset="0"/>
-                <a:ea typeface="Hack" charset="0"/>
-                <a:cs typeface="Hack" charset="0"/>
-              </a:rPr>
-              <a:t> </a:t>
-            </a:r>
-            <a:r>
-              <a:rPr lang="de-DE" sz="1800" dirty="0" smtClean="0">
-                <a:latin typeface="Hack" charset="0"/>
-                <a:ea typeface="Hack" charset="0"/>
-                <a:cs typeface="Hack" charset="0"/>
-              </a:rPr>
-              <a:t> </a:t>
-            </a:r>
-            <a:r>
-              <a:rPr lang="de-DE" sz="1800" dirty="0" err="1" smtClean="0">
-                <a:latin typeface="Hack" charset="0"/>
-                <a:ea typeface="Hack" charset="0"/>
-                <a:cs typeface="Hack" charset="0"/>
-              </a:rPr>
-              <a:t>ist.meic.pa.</a:t>
-            </a:r>
-            <a:r>
-              <a:rPr lang="de-DE" sz="1800" dirty="0" err="1" smtClean="0">
-                <a:solidFill>
-                  <a:schemeClr val="accent4">
-                    <a:lumMod val="60000"/>
-                    <a:lumOff val="40000"/>
-                  </a:schemeClr>
-                </a:solidFill>
-                <a:latin typeface="Hack" charset="0"/>
-                <a:ea typeface="Hack" charset="0"/>
-                <a:cs typeface="Hack" charset="0"/>
-              </a:rPr>
-              <a:t>DataManager</a:t>
-            </a:r>
-            <a:r>
-              <a:rPr lang="de-DE" sz="1800" dirty="0" err="1" smtClean="0">
-                <a:latin typeface="Hack" charset="0"/>
-                <a:ea typeface="Hack" charset="0"/>
-                <a:cs typeface="Hack" charset="0"/>
-              </a:rPr>
-              <a:t>.</a:t>
-            </a:r>
-            <a:r>
-              <a:rPr lang="de-DE" sz="1800" dirty="0" err="1" smtClean="0">
-                <a:solidFill>
-                  <a:schemeClr val="accent1">
-                    <a:lumMod val="60000"/>
-                    <a:lumOff val="40000"/>
-                  </a:schemeClr>
-                </a:solidFill>
-                <a:latin typeface="Hack" charset="0"/>
-                <a:ea typeface="Hack" charset="0"/>
-                <a:cs typeface="Hack" charset="0"/>
-              </a:rPr>
-              <a:t>getInstance</a:t>
-            </a:r>
-            <a:r>
-              <a:rPr lang="de-DE" sz="1800" dirty="0" smtClean="0">
-                <a:latin typeface="Hack" charset="0"/>
-                <a:ea typeface="Hack" charset="0"/>
-                <a:cs typeface="Hack" charset="0"/>
-              </a:rPr>
-              <a:t>().</a:t>
-            </a:r>
-            <a:r>
-              <a:rPr lang="de-DE" sz="1800" dirty="0" err="1">
-                <a:solidFill>
-                  <a:schemeClr val="accent1">
-                    <a:lumMod val="60000"/>
-                    <a:lumOff val="40000"/>
-                  </a:schemeClr>
-                </a:solidFill>
-                <a:latin typeface="Hack" charset="0"/>
-                <a:ea typeface="Hack" charset="0"/>
-                <a:cs typeface="Hack" charset="0"/>
-              </a:rPr>
-              <a:t>processEntry</a:t>
-            </a:r>
-            <a:r>
-              <a:rPr lang="de-DE" sz="1800" dirty="0" smtClean="0">
-                <a:latin typeface="Hack" charset="0"/>
-                <a:ea typeface="Hack" charset="0"/>
-                <a:cs typeface="Hack" charset="0"/>
-              </a:rPr>
-              <a:t>(</a:t>
-            </a:r>
-            <a:r>
-              <a:rPr lang="de-DE" sz="1800" dirty="0" smtClean="0">
-                <a:solidFill>
-                  <a:schemeClr val="accent6">
-                    <a:lumMod val="60000"/>
-                    <a:lumOff val="40000"/>
-                  </a:schemeClr>
-                </a:solidFill>
-                <a:latin typeface="Hack" charset="0"/>
-                <a:ea typeface="Hack" charset="0"/>
-                <a:cs typeface="Hack" charset="0"/>
-              </a:rPr>
-              <a:t>"%s"</a:t>
-            </a:r>
-            <a:r>
-              <a:rPr lang="de-DE" sz="1800" dirty="0" smtClean="0">
-                <a:latin typeface="Hack" charset="0"/>
-                <a:ea typeface="Hack" charset="0"/>
-                <a:cs typeface="Hack" charset="0"/>
-              </a:rPr>
-              <a:t>, </a:t>
-            </a:r>
-            <a:r>
-              <a:rPr lang="de-DE" sz="1800" dirty="0" smtClean="0">
-                <a:solidFill>
-                  <a:schemeClr val="accent6">
-                    <a:lumMod val="60000"/>
-                    <a:lumOff val="40000"/>
-                  </a:schemeClr>
-                </a:solidFill>
-                <a:latin typeface="Hack" charset="0"/>
-                <a:ea typeface="Hack" charset="0"/>
-                <a:cs typeface="Hack" charset="0"/>
-              </a:rPr>
-              <a:t>"%s"</a:t>
-            </a:r>
-            <a:r>
-              <a:rPr lang="de-DE" sz="1800" dirty="0" smtClean="0">
-                <a:latin typeface="Hack" charset="0"/>
-                <a:ea typeface="Hack" charset="0"/>
-                <a:cs typeface="Hack" charset="0"/>
-              </a:rPr>
-              <a:t>, </a:t>
-            </a:r>
-            <a:r>
-              <a:rPr lang="de-DE" sz="1800" dirty="0" smtClean="0">
-                <a:solidFill>
-                  <a:schemeClr val="accent6">
-                    <a:lumMod val="60000"/>
-                    <a:lumOff val="40000"/>
-                  </a:schemeClr>
-                </a:solidFill>
-                <a:latin typeface="Hack" charset="0"/>
-                <a:ea typeface="Hack" charset="0"/>
-                <a:cs typeface="Hack" charset="0"/>
-              </a:rPr>
-              <a:t>"%s"</a:t>
-            </a:r>
-            <a:r>
-              <a:rPr lang="de-DE" sz="1800" dirty="0" smtClean="0">
-                <a:latin typeface="Hack" charset="0"/>
-                <a:ea typeface="Hack" charset="0"/>
-                <a:cs typeface="Hack" charset="0"/>
-              </a:rPr>
-              <a:t>);</a:t>
-            </a:r>
-          </a:p>
-          <a:p>
-            <a:pPr marL="0" indent="0">
-              <a:buNone/>
-            </a:pPr>
-            <a:r>
-              <a:rPr lang="de-DE" sz="1800" dirty="0">
-                <a:latin typeface="Hack" charset="0"/>
-                <a:ea typeface="Hack" charset="0"/>
-                <a:cs typeface="Hack" charset="0"/>
-              </a:rPr>
-              <a:t> </a:t>
-            </a:r>
-            <a:r>
-              <a:rPr lang="de-DE" sz="1800" dirty="0" smtClean="0">
-                <a:latin typeface="Hack" charset="0"/>
-                <a:ea typeface="Hack" charset="0"/>
-                <a:cs typeface="Hack" charset="0"/>
-              </a:rPr>
-              <a:t> $_ </a:t>
-            </a:r>
-            <a:r>
-              <a:rPr lang="de-DE" sz="1800" dirty="0">
-                <a:latin typeface="Hack" charset="0"/>
-                <a:ea typeface="Hack" charset="0"/>
-                <a:cs typeface="Hack" charset="0"/>
-              </a:rPr>
-              <a:t>= </a:t>
-            </a:r>
-            <a:r>
-              <a:rPr lang="de-DE" sz="1800" dirty="0">
-                <a:solidFill>
-                  <a:schemeClr val="accent1">
-                    <a:lumMod val="60000"/>
-                    <a:lumOff val="40000"/>
-                  </a:schemeClr>
-                </a:solidFill>
-                <a:latin typeface="Hack" charset="0"/>
-                <a:ea typeface="Hack" charset="0"/>
-                <a:cs typeface="Hack" charset="0"/>
-              </a:rPr>
-              <a:t>$</a:t>
-            </a:r>
-            <a:r>
-              <a:rPr lang="de-DE" sz="1800" dirty="0" err="1">
-                <a:solidFill>
-                  <a:schemeClr val="accent1">
-                    <a:lumMod val="60000"/>
-                    <a:lumOff val="40000"/>
-                  </a:schemeClr>
-                </a:solidFill>
-                <a:latin typeface="Hack" charset="0"/>
-                <a:ea typeface="Hack" charset="0"/>
-                <a:cs typeface="Hack" charset="0"/>
-              </a:rPr>
-              <a:t>proceed</a:t>
-            </a:r>
-            <a:r>
-              <a:rPr lang="de-DE" sz="1800" dirty="0" smtClean="0">
-                <a:latin typeface="Hack" charset="0"/>
-                <a:ea typeface="Hack" charset="0"/>
-                <a:cs typeface="Hack" charset="0"/>
-              </a:rPr>
-              <a:t>($$);</a:t>
-            </a:r>
-          </a:p>
-          <a:p>
-            <a:pPr marL="0" indent="0">
-              <a:buNone/>
-            </a:pPr>
-            <a:r>
-              <a:rPr lang="de-DE" sz="1800" dirty="0" smtClean="0">
-                <a:latin typeface="Hack" charset="0"/>
-                <a:ea typeface="Hack" charset="0"/>
-                <a:cs typeface="Hack" charset="0"/>
-              </a:rPr>
-              <a:t>}</a:t>
-            </a:r>
-            <a:endParaRPr lang="pt-PT" sz="1800" dirty="0">
-              <a:latin typeface="Hack" charset="0"/>
-              <a:ea typeface="Hack" charset="0"/>
-              <a:cs typeface="Hack" charset="0"/>
-            </a:endParaRPr>
+            <a:endParaRPr lang="pt-PT" dirty="0"/>
+          </a:p>
+          <a:p>
+            <a:endParaRPr lang="pt-PT" dirty="0"/>
           </a:p>
         </p:txBody>
       </p:sp>
     </p:spTree>
     <p:extLst>
       <p:ext uri="{BB962C8B-B14F-4D97-AF65-F5344CB8AC3E}">
-        <p14:creationId xmlns:p14="http://schemas.microsoft.com/office/powerpoint/2010/main" val="2111678840"/>
+        <p14:creationId xmlns:p14="http://schemas.microsoft.com/office/powerpoint/2010/main" val="1064805536"/>
       </p:ext>
     </p:extLst>
   </p:cSld>
@@ -11945,97 +11172,77 @@
           <a:lstStyle/>
           <a:p>
             <a:r>
-              <a:rPr lang="pt-PT" dirty="0" smtClean="0"/>
-              <a:t>Data Manager</a:t>
+              <a:rPr lang="pt-PT" dirty="0" err="1" smtClean="0">
+                <a:ea typeface="Consolas" charset="0"/>
+                <a:cs typeface="Consolas" charset="0"/>
+              </a:rPr>
+              <a:t>Custom</a:t>
+            </a:r>
+            <a:r>
+              <a:rPr lang="pt-PT" dirty="0" smtClean="0">
+                <a:ea typeface="Consolas" charset="0"/>
+                <a:cs typeface="Consolas" charset="0"/>
+              </a:rPr>
+              <a:t> </a:t>
+            </a:r>
+            <a:r>
+              <a:rPr lang="pt-PT" dirty="0" err="1" smtClean="0">
+                <a:ea typeface="Consolas" charset="0"/>
+                <a:cs typeface="Consolas" charset="0"/>
+              </a:rPr>
+              <a:t>Method</a:t>
+            </a:r>
+            <a:r>
+              <a:rPr lang="pt-PT" dirty="0" smtClean="0">
+                <a:ea typeface="Consolas" charset="0"/>
+                <a:cs typeface="Consolas" charset="0"/>
+              </a:rPr>
+              <a:t> </a:t>
+            </a:r>
+            <a:r>
+              <a:rPr lang="pt-PT" dirty="0" err="1" smtClean="0">
+                <a:ea typeface="Consolas" charset="0"/>
+                <a:cs typeface="Consolas" charset="0"/>
+              </a:rPr>
+              <a:t>Tags</a:t>
             </a:r>
             <a:endParaRPr lang="pt-PT" dirty="0"/>
           </a:p>
         </p:txBody>
       </p:sp>
-      <p:sp>
-        <p:nvSpPr>
-          <p:cNvPr id="3" name="Content Placeholder 2"/>
-          <p:cNvSpPr>
-            <a:spLocks noGrp="1"/>
-          </p:cNvSpPr>
+      <p:pic>
+        <p:nvPicPr>
+          <p:cNvPr id="4" name="Content Placeholder 3"/>
+          <p:cNvPicPr>
+            <a:picLocks noGrp="1" noChangeAspect="1"/>
+          </p:cNvPicPr>
           <p:nvPr>
             <p:ph idx="1"/>
           </p:nvPr>
-        </p:nvSpPr>
-        <p:spPr/>
-        <p:txBody>
-          <a:bodyPr anchor="ctr"/>
-          <a:lstStyle/>
-          <a:p>
-            <a:pPr marL="0" indent="0" algn="ctr">
-              <a:buNone/>
-            </a:pPr>
-            <a:r>
-              <a:rPr lang="pt-PT" dirty="0" err="1" smtClean="0"/>
-              <a:t>Singleton</a:t>
-            </a:r>
-            <a:endParaRPr lang="pt-PT" dirty="0"/>
-          </a:p>
-        </p:txBody>
-      </p:sp>
-      <p:sp>
-        <p:nvSpPr>
-          <p:cNvPr id="4" name="TextBox 3"/>
-          <p:cNvSpPr txBox="1"/>
-          <p:nvPr/>
-        </p:nvSpPr>
+        </p:nvPicPr>
+        <p:blipFill>
+          <a:blip r:embed="rId2">
+            <a:extLst>
+              <a:ext uri="{28A0092B-C50C-407E-A947-70E740481C1C}">
+                <a14:useLocalDpi xmlns:a14="http://schemas.microsoft.com/office/drawing/2010/main" val="0"/>
+              </a:ext>
+            </a:extLst>
+          </a:blip>
+          <a:stretch>
+            <a:fillRect/>
+          </a:stretch>
+        </p:blipFill>
         <p:spPr>
           <a:xfrm>
-            <a:off x="6427694" y="6176963"/>
-            <a:ext cx="5027338" cy="369332"/>
+            <a:off x="1120775" y="2925349"/>
+            <a:ext cx="10233025" cy="2151890"/>
           </a:xfrm>
-          <a:prstGeom prst="rect">
-            <a:avLst/>
-          </a:prstGeom>
-          <a:noFill/>
         </p:spPr>
-        <p:txBody>
-          <a:bodyPr wrap="none" rtlCol="0">
-            <a:spAutoFit/>
-          </a:bodyPr>
-          <a:lstStyle/>
-          <a:p>
-            <a:r>
-              <a:rPr lang="pt-PT" dirty="0" err="1"/>
-              <a:t>https</a:t>
-            </a:r>
-            <a:r>
-              <a:rPr lang="pt-PT" dirty="0"/>
-              <a:t>://</a:t>
-            </a:r>
-            <a:r>
-              <a:rPr lang="pt-PT" dirty="0" err="1"/>
-              <a:t>github.com</a:t>
-            </a:r>
-            <a:r>
-              <a:rPr lang="pt-PT" dirty="0"/>
-              <a:t>/</a:t>
-            </a:r>
-            <a:r>
-              <a:rPr lang="pt-PT" dirty="0" err="1"/>
-              <a:t>pasadinhas</a:t>
-            </a:r>
-            <a:r>
-              <a:rPr lang="pt-PT" dirty="0"/>
-              <a:t>/</a:t>
-            </a:r>
-            <a:r>
-              <a:rPr lang="pt-PT" dirty="0" err="1"/>
-              <a:t>autoboxing-profiler</a:t>
-            </a:r>
-            <a:endParaRPr lang="pt-PT" dirty="0"/>
-          </a:p>
-        </p:txBody>
-      </p:sp>
+      </p:pic>
     </p:spTree>
     <p:extLst>
       <p:ext uri="{BB962C8B-B14F-4D97-AF65-F5344CB8AC3E}">
-        <p14:creationId xmlns:p14="http://schemas.microsoft.com/office/powerpoint/2010/main" val="1258606622"/>
+        <p14:creationId xmlns:p14="http://schemas.microsoft.com/office/powerpoint/2010/main" val="894279061"/>
       </p:ext>
     </p:extLst>
   </p:cSld>
@@ -12085,130 +11292,60 @@
           <a:lstStyle/>
           <a:p>
             <a:r>
+              <a:rPr lang="pt-PT" dirty="0" err="1" smtClean="0"/>
+              <a:t>Custom</a:t>
+            </a:r>
+            <a:r>
               <a:rPr lang="pt-PT" dirty="0" smtClean="0"/>
-              <a:t>Data Manager</a:t>
+              <a:t> </a:t>
+            </a:r>
+            <a:r>
+              <a:rPr lang="pt-PT" dirty="0" err="1" smtClean="0"/>
+              <a:t>Combinators</a:t>
             </a:r>
             <a:endParaRPr lang="pt-PT" dirty="0"/>
           </a:p>
         </p:txBody>
       </p:sp>
-      <p:sp>
-        <p:nvSpPr>
-          <p:cNvPr id="3" name="Content Placeholder 2"/>
-          <p:cNvSpPr>
-            <a:spLocks noGrp="1"/>
-          </p:cNvSpPr>
+      <p:pic>
+        <p:nvPicPr>
+          <p:cNvPr id="4" name="Content Placeholder 3"/>
+          <p:cNvPicPr>
+            <a:picLocks noGrp="1" noChangeAspect="1"/>
+          </p:cNvPicPr>
           <p:nvPr>
             <p:ph idx="1"/>
           </p:nvPr>
-        </p:nvSpPr>
-        <p:spPr/>
-        <p:txBody>
-          <a:bodyPr anchor="ctr"/>
-          <a:lstStyle/>
-          <a:p>
-            <a:pPr marL="0" indent="0" algn="ctr">
-              <a:buNone/>
-            </a:pPr>
-            <a:r>
-              <a:rPr lang="pt-PT" dirty="0" err="1" smtClean="0"/>
-              <a:t>TreeMap</a:t>
-            </a:r>
-            <a:r>
-              <a:rPr lang="pt-PT" dirty="0" smtClean="0"/>
-              <a:t>&lt;</a:t>
-            </a:r>
-            <a:r>
-              <a:rPr lang="pt-PT" dirty="0" err="1" smtClean="0"/>
-              <a:t>String</a:t>
-            </a:r>
-            <a:r>
-              <a:rPr lang="pt-PT" dirty="0" smtClean="0"/>
-              <a:t>, </a:t>
-            </a:r>
-            <a:r>
-              <a:rPr lang="pt-PT" dirty="0" err="1" smtClean="0"/>
-              <a:t>Integer</a:t>
-            </a:r>
-            <a:r>
-              <a:rPr lang="pt-PT" dirty="0" smtClean="0"/>
-              <a:t>&gt;</a:t>
-            </a:r>
-            <a:endParaRPr lang="pt-PT" dirty="0"/>
-          </a:p>
-        </p:txBody>
-      </p:sp>
-      <p:sp>
-        <p:nvSpPr>
-          <p:cNvPr id="4" name="TextBox 3"/>
-          <p:cNvSpPr txBox="1"/>
-          <p:nvPr/>
-        </p:nvSpPr>
+        </p:nvPicPr>
+        <p:blipFill>
+          <a:blip r:embed="rId2">
+            <a:extLst>
+              <a:ext uri="{28A0092B-C50C-407E-A947-70E740481C1C}">
+                <a14:useLocalDpi xmlns:a14="http://schemas.microsoft.com/office/drawing/2010/main" val="0"/>
+              </a:ext>
+            </a:extLst>
+          </a:blip>
+          <a:stretch>
+            <a:fillRect/>
+          </a:stretch>
+        </p:blipFill>
         <p:spPr>
           <a:xfrm>
-            <a:off x="6427694" y="6176963"/>
-            <a:ext cx="5027338" cy="369332"/>
+            <a:off x="2395537" y="2356644"/>
+            <a:ext cx="7683500" cy="3289300"/>
           </a:xfrm>
-          <a:prstGeom prst="rect">
-            <a:avLst/>
-          </a:prstGeom>
-          <a:noFill/>
         </p:spPr>
-        <p:txBody>
-          <a:bodyPr wrap="none" rtlCol="0">
-            <a:spAutoFit/>
-          </a:bodyPr>
-          <a:lstStyle/>
-          <a:p>
-            <a:r>
-              <a:rPr lang="pt-PT" dirty="0" err="1"/>
-              <a:t>https</a:t>
-            </a:r>
-            <a:r>
-              <a:rPr lang="pt-PT" dirty="0"/>
-              <a:t>://</a:t>
-            </a:r>
-            <a:r>
-              <a:rPr lang="pt-PT" dirty="0" err="1"/>
-              <a:t>github.com</a:t>
-            </a:r>
-            <a:r>
-              <a:rPr lang="pt-PT" dirty="0"/>
-              <a:t>/</a:t>
-            </a:r>
-            <a:r>
-              <a:rPr lang="pt-PT" dirty="0" err="1"/>
-              <a:t>pasadinhas</a:t>
-            </a:r>
-            <a:r>
-              <a:rPr lang="pt-PT" dirty="0"/>
-              <a:t>/</a:t>
-            </a:r>
-            <a:r>
-              <a:rPr lang="pt-PT" dirty="0" err="1"/>
-              <a:t>autoboxing-profiler</a:t>
-            </a:r>
-            <a:endParaRPr lang="pt-PT" dirty="0"/>
-          </a:p>
-        </p:txBody>
-      </p:sp>
+      </p:pic>
     </p:spTree>
     <p:extLst>
       <p:ext uri="{BB962C8B-B14F-4D97-AF65-F5344CB8AC3E}">
-        <p14:creationId xmlns:p14="http://schemas.microsoft.com/office/powerpoint/2010/main" val="602124937"/>
+        <p14:creationId xmlns:p14="http://schemas.microsoft.com/office/powerpoint/2010/main" val="1772379099"/>
       </p:ext>
     </p:extLst>
   </p:cSld>
   <p:clrMapOvr>
     <a:masterClrMapping/>
   </p:clrMapOvr>
-  <p:timing>
-    <p:tnLst>
-      <p:par>
-        <p:cTn id="1" dur="indefinite" restart="never" nodeType="tmRoot"/>
-      </p:par>
-    </p:tnLst>
-  </p:timing>
 </p:sld>
 </file>
 
@@ -12245,204 +11382,60 @@
           <a:lstStyle/>
           <a:p>
             <a:r>
+              <a:rPr lang="pt-PT" dirty="0" err="1" smtClean="0"/>
+              <a:t>Custom</a:t>
+            </a:r>
+            <a:r>
               <a:rPr lang="pt-PT" dirty="0" smtClean="0"/>
-              <a:t>Data Manager</a:t>
+              <a:t> </a:t>
+            </a:r>
+            <a:r>
+              <a:rPr lang="pt-PT" dirty="0" err="1" smtClean="0"/>
+              <a:t>Sorters</a:t>
             </a:r>
             <a:endParaRPr lang="pt-PT" dirty="0"/>
           </a:p>
         </p:txBody>
       </p:sp>
-      <p:sp>
-        <p:nvSpPr>
-          <p:cNvPr id="3" name="Content Placeholder 2"/>
-          <p:cNvSpPr>
-            <a:spLocks noGrp="1"/>
-          </p:cNvSpPr>
+      <p:pic>
+        <p:nvPicPr>
+          <p:cNvPr id="4" name="Content Placeholder 3"/>
+          <p:cNvPicPr>
+            <a:picLocks noGrp="1" noChangeAspect="1"/>
+          </p:cNvPicPr>
           <p:nvPr>
             <p:ph idx="1"/>
           </p:nvPr>
-        </p:nvSpPr>
-        <p:spPr/>
-        <p:txBody>
-          <a:bodyPr anchor="ctr">
-            <a:normAutofit/>
-          </a:bodyPr>
-          <a:lstStyle/>
-          <a:p>
-            <a:pPr marL="0" indent="0" algn="ctr">
-              <a:buNone/>
-            </a:pPr>
-            <a:r>
-              <a:rPr lang="pt-PT" sz="2400" dirty="0" err="1" smtClean="0">
-                <a:solidFill>
-                  <a:schemeClr val="tx1"/>
-                </a:solidFill>
-              </a:rPr>
-              <a:t>TreeMap</a:t>
-            </a:r>
-            <a:r>
-              <a:rPr lang="pt-PT" sz="2400" dirty="0" smtClean="0">
-                <a:solidFill>
-                  <a:schemeClr val="tx1"/>
-                </a:solidFill>
-              </a:rPr>
-              <a:t> </a:t>
-            </a:r>
-            <a:r>
-              <a:rPr lang="pt-PT" sz="2400" dirty="0" err="1" smtClean="0">
-                <a:solidFill>
-                  <a:schemeClr val="tx1"/>
-                </a:solidFill>
-              </a:rPr>
-              <a:t>Key</a:t>
-            </a:r>
-            <a:endParaRPr lang="pt-PT" sz="2400" dirty="0" smtClean="0">
-              <a:solidFill>
-                <a:schemeClr val="tx1"/>
-              </a:solidFill>
-            </a:endParaRPr>
-          </a:p>
-          <a:p>
-            <a:pPr marL="0" indent="0" algn="ctr">
-              <a:buNone/>
-            </a:pPr>
-            <a:r>
-              <a:rPr lang="pt-PT" sz="2400" dirty="0" err="1" smtClean="0">
-                <a:solidFill>
-                  <a:schemeClr val="accent6">
-                    <a:lumMod val="60000"/>
-                    <a:lumOff val="40000"/>
-                  </a:schemeClr>
-                </a:solidFill>
-              </a:rPr>
-              <a:t>App.foo</a:t>
-            </a:r>
-            <a:r>
-              <a:rPr lang="pt-PT" sz="2400" dirty="0" smtClean="0">
-                <a:solidFill>
-                  <a:schemeClr val="accent6">
-                    <a:lumMod val="60000"/>
-                    <a:lumOff val="40000"/>
-                  </a:schemeClr>
-                </a:solidFill>
-              </a:rPr>
-              <a:t>() </a:t>
-            </a:r>
-            <a:r>
-              <a:rPr lang="pt-PT" sz="2400" dirty="0" err="1" smtClean="0">
-                <a:solidFill>
-                  <a:schemeClr val="accent6">
-                    <a:lumMod val="60000"/>
-                    <a:lumOff val="40000"/>
-                  </a:schemeClr>
-                </a:solidFill>
-              </a:rPr>
-              <a:t>java.lang.Integer</a:t>
-            </a:r>
-            <a:r>
-              <a:rPr lang="pt-PT" sz="2400" dirty="0">
-                <a:solidFill>
-                  <a:schemeClr val="accent6">
-                    <a:lumMod val="60000"/>
-                    <a:lumOff val="40000"/>
-                  </a:schemeClr>
-                </a:solidFill>
-              </a:rPr>
-              <a:t> </a:t>
-            </a:r>
-            <a:r>
-              <a:rPr lang="pt-PT" sz="2400" dirty="0" err="1">
-                <a:solidFill>
-                  <a:schemeClr val="accent6">
-                    <a:lumMod val="60000"/>
-                    <a:lumOff val="40000"/>
-                  </a:schemeClr>
-                </a:solidFill>
-              </a:rPr>
-              <a:t>boxed</a:t>
-            </a:r>
-            <a:endParaRPr lang="pt-PT" sz="2400" dirty="0">
-              <a:solidFill>
-                <a:schemeClr val="accent6">
-                  <a:lumMod val="60000"/>
-                  <a:lumOff val="40000"/>
-                </a:schemeClr>
-              </a:solidFill>
-            </a:endParaRPr>
-          </a:p>
-        </p:txBody>
-      </p:sp>
-      <p:sp>
-        <p:nvSpPr>
-          <p:cNvPr id="4" name="TextBox 3"/>
-          <p:cNvSpPr txBox="1"/>
-          <p:nvPr/>
-        </p:nvSpPr>
+        </p:nvPicPr>
+        <p:blipFill>
+          <a:blip r:embed="rId2">
+            <a:extLst>
+              <a:ext uri="{28A0092B-C50C-407E-A947-70E740481C1C}">
+                <a14:useLocalDpi xmlns:a14="http://schemas.microsoft.com/office/drawing/2010/main" val="0"/>
+              </a:ext>
+            </a:extLst>
+          </a:blip>
+          <a:stretch>
+            <a:fillRect/>
+          </a:stretch>
+        </p:blipFill>
         <p:spPr>
           <a:xfrm>
-            <a:off x="6427694" y="6176963"/>
-            <a:ext cx="5027338" cy="369332"/>
+            <a:off x="2878926" y="1825625"/>
+            <a:ext cx="6716722" cy="4351338"/>
           </a:xfrm>
-          <a:prstGeom prst="rect">
-            <a:avLst/>
-          </a:prstGeom>
-          <a:noFill/>
         </p:spPr>
-        <p:txBody>
-          <a:bodyPr wrap="none" rtlCol="0">
-            <a:spAutoFit/>
-          </a:bodyPr>
-          <a:lstStyle/>
-          <a:p>
-            <a:r>
-              <a:rPr lang="pt-PT" dirty="0" err="1"/>
-              <a:t>https</a:t>
-            </a:r>
-            <a:r>
-              <a:rPr lang="pt-PT" dirty="0"/>
-              <a:t>://</a:t>
-            </a:r>
-            <a:r>
-              <a:rPr lang="pt-PT" dirty="0" err="1"/>
-              <a:t>github.com</a:t>
-            </a:r>
-            <a:r>
-              <a:rPr lang="pt-PT" dirty="0"/>
-              <a:t>/</a:t>
-            </a:r>
-            <a:r>
-              <a:rPr lang="pt-PT" dirty="0" err="1"/>
-              <a:t>pasadinhas</a:t>
-            </a:r>
-            <a:r>
-              <a:rPr lang="pt-PT" dirty="0"/>
-              <a:t>/</a:t>
-            </a:r>
-            <a:r>
-              <a:rPr lang="pt-PT" dirty="0" err="1"/>
-              <a:t>autoboxing-profiler</a:t>
-            </a:r>
-            <a:endParaRPr lang="pt-PT" dirty="0"/>
-          </a:p>
-        </p:txBody>
-      </p:sp>
+      </p:pic>
     </p:spTree>
     <p:extLst>
       <p:ext uri="{BB962C8B-B14F-4D97-AF65-F5344CB8AC3E}">
-        <p14:creationId xmlns:p14="http://schemas.microsoft.com/office/powerpoint/2010/main" val="532470172"/>
+        <p14:creationId xmlns:p14="http://schemas.microsoft.com/office/powerpoint/2010/main" val="434684731"/>
       </p:ext>
     </p:extLst>
   </p:cSld>
   <p:clrMapOvr>
     <a:masterClrMapping/>
   </p:clrMapOvr>
-  <p:timing>
-    <p:tnLst>
-      <p:par>
-        <p:cTn id="1" dur="indefinite" restart="never" nodeType="tmRoot"/>
-      </p:par>
-    </p:tnLst>
-  </p:timing>
 </p:sld>
 </file>
 
@@ -12478,11 +11471,7 @@
           <a:bodyPr/>
           <a:lstStyle/>
           <a:p>
-            <a:r>
-              <a:rPr lang="pt-PT" dirty="0" err="1" smtClean="0"/>
-              <a:t>Algorithm</a:t>
-            </a:r>
-            <a:endParaRPr lang="pt-PT" dirty="0"/>
+            <a:endParaRPr lang="pt-PT"/>
           </a:p>
         </p:txBody>
       </p:sp>
@@ -12498,629 +11487,27 @@
         </p:nvSpPr>
         <p:spPr/>
         <p:txBody>
-          <a:bodyPr anchor="ctr"/>
+          <a:bodyPr/>
           <a:lstStyle/>
           <a:p>
-            <a:pPr marL="514350" indent="-514350" algn="ctr">
-              <a:buFont typeface="+mj-lt"/>
-              <a:buAutoNum type="arabicPeriod"/>
-            </a:pPr>
-            <a:r>
-              <a:rPr lang="pt-PT" dirty="0" err="1" smtClean="0">
-                <a:solidFill>
-                  <a:schemeClr val="tx1"/>
-                </a:solidFill>
-              </a:rPr>
-              <a:t>Instrument</a:t>
-            </a:r>
-            <a:r>
-              <a:rPr lang="pt-PT" dirty="0" smtClean="0">
-                <a:solidFill>
-                  <a:schemeClr val="tx1"/>
-                </a:solidFill>
-              </a:rPr>
-              <a:t> </a:t>
-            </a:r>
-            <a:r>
-              <a:rPr lang="pt-PT" dirty="0" err="1" smtClean="0">
-                <a:solidFill>
-                  <a:schemeClr val="tx1"/>
-                </a:solidFill>
-              </a:rPr>
-              <a:t>boxing</a:t>
-            </a:r>
-            <a:r>
-              <a:rPr lang="pt-PT" dirty="0" smtClean="0">
-                <a:solidFill>
-                  <a:schemeClr val="tx1"/>
-                </a:solidFill>
-              </a:rPr>
-              <a:t> </a:t>
-            </a:r>
-            <a:r>
-              <a:rPr lang="pt-PT" dirty="0" err="1" smtClean="0">
-                <a:solidFill>
-                  <a:schemeClr val="tx1"/>
-                </a:solidFill>
-              </a:rPr>
-              <a:t>and</a:t>
-            </a:r>
-            <a:r>
-              <a:rPr lang="pt-PT" dirty="0" smtClean="0">
-                <a:solidFill>
-                  <a:schemeClr val="tx1"/>
-                </a:solidFill>
-              </a:rPr>
-              <a:t> </a:t>
-            </a:r>
-            <a:r>
-              <a:rPr lang="pt-PT" dirty="0" err="1" smtClean="0">
-                <a:solidFill>
-                  <a:schemeClr val="tx1"/>
-                </a:solidFill>
-              </a:rPr>
-              <a:t>unboxing</a:t>
-            </a:r>
-            <a:r>
-              <a:rPr lang="pt-PT" dirty="0" smtClean="0">
-                <a:solidFill>
-                  <a:schemeClr val="tx1"/>
-                </a:solidFill>
-              </a:rPr>
-              <a:t> </a:t>
-            </a:r>
-            <a:r>
-              <a:rPr lang="pt-PT" dirty="0" err="1" smtClean="0">
-                <a:solidFill>
-                  <a:schemeClr val="tx1"/>
-                </a:solidFill>
-              </a:rPr>
-              <a:t>method</a:t>
-            </a:r>
-            <a:r>
-              <a:rPr lang="pt-PT" dirty="0" smtClean="0">
-                <a:solidFill>
-                  <a:schemeClr val="tx1"/>
-                </a:solidFill>
-              </a:rPr>
-              <a:t> </a:t>
-            </a:r>
-            <a:r>
-              <a:rPr lang="pt-PT" dirty="0" err="1" smtClean="0">
-                <a:solidFill>
-                  <a:schemeClr val="tx1"/>
-                </a:solidFill>
-              </a:rPr>
-              <a:t>calls</a:t>
-            </a:r>
-            <a:endParaRPr lang="pt-PT" dirty="0" smtClean="0">
-              <a:solidFill>
-                <a:schemeClr val="tx1"/>
-              </a:solidFill>
-            </a:endParaRPr>
-          </a:p>
-          <a:p>
-            <a:pPr marL="514350" indent="-514350" algn="ctr">
-              <a:buFont typeface="+mj-lt"/>
-              <a:buAutoNum type="arabicPeriod"/>
-            </a:pPr>
-            <a:r>
-              <a:rPr lang="pt-PT" b="1" dirty="0" err="1" smtClean="0">
-                <a:solidFill>
-                  <a:schemeClr val="accent6">
-                    <a:lumMod val="60000"/>
-                    <a:lumOff val="40000"/>
-                  </a:schemeClr>
-                </a:solidFill>
-              </a:rPr>
-              <a:t>Instrument</a:t>
-            </a:r>
-            <a:r>
-              <a:rPr lang="pt-PT" b="1" dirty="0" smtClean="0">
-                <a:solidFill>
-                  <a:schemeClr val="accent6">
-                    <a:lumMod val="60000"/>
-                    <a:lumOff val="40000"/>
-                  </a:schemeClr>
-                </a:solidFill>
-              </a:rPr>
-              <a:t> </a:t>
-            </a:r>
-            <a:r>
-              <a:rPr lang="pt-PT" b="1" dirty="0" err="1" smtClean="0">
-                <a:solidFill>
-                  <a:schemeClr val="accent6">
-                    <a:lumMod val="60000"/>
-                    <a:lumOff val="40000"/>
-                  </a:schemeClr>
-                </a:solidFill>
-              </a:rPr>
-              <a:t>the</a:t>
-            </a:r>
-            <a:r>
-              <a:rPr lang="pt-PT" b="1" dirty="0" smtClean="0">
-                <a:solidFill>
-                  <a:schemeClr val="accent6">
-                    <a:lumMod val="60000"/>
-                    <a:lumOff val="40000"/>
-                  </a:schemeClr>
-                </a:solidFill>
-              </a:rPr>
-              <a:t> </a:t>
-            </a:r>
-            <a:r>
-              <a:rPr lang="pt-PT" b="1" dirty="0" err="1" smtClean="0">
-                <a:solidFill>
-                  <a:schemeClr val="accent6">
-                    <a:lumMod val="60000"/>
-                    <a:lumOff val="40000"/>
-                  </a:schemeClr>
-                </a:solidFill>
-              </a:rPr>
-              <a:t>code</a:t>
-            </a:r>
-            <a:r>
-              <a:rPr lang="pt-PT" b="1" dirty="0" smtClean="0">
-                <a:solidFill>
-                  <a:schemeClr val="accent6">
-                    <a:lumMod val="60000"/>
-                    <a:lumOff val="40000"/>
-                  </a:schemeClr>
-                </a:solidFill>
-              </a:rPr>
-              <a:t> to print </a:t>
-            </a:r>
-            <a:r>
-              <a:rPr lang="pt-PT" b="1" dirty="0" err="1" smtClean="0">
-                <a:solidFill>
-                  <a:schemeClr val="accent6">
-                    <a:lumMod val="60000"/>
-                    <a:lumOff val="40000"/>
-                  </a:schemeClr>
-                </a:solidFill>
-              </a:rPr>
-              <a:t>the</a:t>
-            </a:r>
-            <a:r>
-              <a:rPr lang="pt-PT" b="1" dirty="0" smtClean="0">
-                <a:solidFill>
-                  <a:schemeClr val="accent6">
-                    <a:lumMod val="60000"/>
-                    <a:lumOff val="40000"/>
-                  </a:schemeClr>
-                </a:solidFill>
-              </a:rPr>
-              <a:t> </a:t>
-            </a:r>
-            <a:r>
-              <a:rPr lang="pt-PT" b="1" dirty="0" err="1" smtClean="0">
-                <a:solidFill>
-                  <a:schemeClr val="accent6">
-                    <a:lumMod val="60000"/>
-                    <a:lumOff val="40000"/>
-                  </a:schemeClr>
-                </a:solidFill>
-              </a:rPr>
-              <a:t>results</a:t>
-            </a:r>
-            <a:r>
-              <a:rPr lang="pt-PT" b="1" dirty="0" smtClean="0">
-                <a:solidFill>
-                  <a:schemeClr val="accent6">
-                    <a:lumMod val="60000"/>
-                    <a:lumOff val="40000"/>
-                  </a:schemeClr>
-                </a:solidFill>
-              </a:rPr>
-              <a:t> </a:t>
-            </a:r>
-            <a:r>
-              <a:rPr lang="pt-PT" b="1" dirty="0" err="1" smtClean="0">
-                <a:solidFill>
-                  <a:schemeClr val="accent6">
-                    <a:lumMod val="60000"/>
-                    <a:lumOff val="40000"/>
-                  </a:schemeClr>
-                </a:solidFill>
-              </a:rPr>
-              <a:t>after</a:t>
-            </a:r>
-            <a:r>
-              <a:rPr lang="pt-PT" b="1" dirty="0" smtClean="0">
-                <a:solidFill>
-                  <a:schemeClr val="accent6">
-                    <a:lumMod val="60000"/>
-                    <a:lumOff val="40000"/>
-                  </a:schemeClr>
-                </a:solidFill>
-              </a:rPr>
-              <a:t> </a:t>
-            </a:r>
-            <a:r>
-              <a:rPr lang="pt-PT" b="1" dirty="0" err="1" smtClean="0">
-                <a:solidFill>
-                  <a:schemeClr val="accent6">
-                    <a:lumMod val="60000"/>
-                    <a:lumOff val="40000"/>
-                  </a:schemeClr>
-                </a:solidFill>
-              </a:rPr>
-              <a:t>executing</a:t>
-            </a:r>
-            <a:endParaRPr lang="pt-PT" b="1" dirty="0">
-              <a:solidFill>
-                <a:schemeClr val="accent6">
-                  <a:lumMod val="60000"/>
-                  <a:lumOff val="40000"/>
-                </a:schemeClr>
-              </a:solidFill>
-            </a:endParaRPr>
-          </a:p>
-        </p:txBody>
-      </p:sp>
-      <p:sp>
-        <p:nvSpPr>
-          <p:cNvPr id="4" name="TextBox 3"/>
-          <p:cNvSpPr txBox="1"/>
-          <p:nvPr/>
-        </p:nvSpPr>
-        <p:spPr>
-          <a:xfrm>
-            <a:off x="6427694" y="6176963"/>
-            <a:ext cx="5027338" cy="369332"/>
-          </a:xfrm>
-          <a:prstGeom prst="rect">
-            <a:avLst/>
-          </a:prstGeom>
-          <a:noFill/>
-        </p:spPr>
-        <p:txBody>
-          <a:bodyPr wrap="none" rtlCol="0">
-            <a:spAutoFit/>
-          </a:bodyPr>
-          <a:lstStyle/>
-          <a:p>
-            <a:r>
-              <a:rPr lang="pt-PT" dirty="0" err="1"/>
-              <a:t>https</a:t>
-            </a:r>
-            <a:r>
-              <a:rPr lang="pt-PT" dirty="0"/>
-              <a:t>://</a:t>
-            </a:r>
-            <a:r>
-              <a:rPr lang="pt-PT" dirty="0" err="1"/>
-              <a:t>github.com</a:t>
-            </a:r>
-            <a:r>
-              <a:rPr lang="pt-PT" dirty="0"/>
-              <a:t>/</a:t>
-            </a:r>
-            <a:r>
-              <a:rPr lang="pt-PT" dirty="0" err="1"/>
-              <a:t>pasadinhas</a:t>
-            </a:r>
-            <a:r>
-              <a:rPr lang="pt-PT" dirty="0"/>
-              <a:t>/</a:t>
-            </a:r>
-            <a:r>
-              <a:rPr lang="pt-PT" dirty="0" err="1"/>
-              <a:t>autoboxing-profiler</a:t>
-            </a:r>
-            <a:endParaRPr lang="pt-PT" dirty="0"/>
+            <a:endParaRPr lang="pt-PT"/>
           </a:p>
         </p:txBody>
       </p:sp>
     </p:spTree>
     <p:extLst>
       <p:ext uri="{BB962C8B-B14F-4D97-AF65-F5344CB8AC3E}">
-        <p14:creationId xmlns:p14="http://schemas.microsoft.com/office/powerpoint/2010/main" val="89983969"/>
+        <p14:creationId xmlns:p14="http://schemas.microsoft.com/office/powerpoint/2010/main" val="5112151"/>
       </p:ext>
     </p:extLst>
   </p:cSld>
   <p:clrMapOvr>
     <a:masterClrMapping/>
   </p:clrMapOvr>
-  <p:timing>
-    <p:tnLst>
-      <p:par>
-        <p:cTn id="1" dur="indefinite" restart="never" nodeType="tmRoot"/>
-      </p:par>
-    </p:tnLst>
-  </p:timing>
 </p:sld>
 </file>
 
 <file path=ppt/slides/slide25.xml><?xml version="1.0" encoding="utf-8"?>
-<p:sld xmlns:a="http://schemas.openxmlformats.org/drawingml/2006/main" xmlns:r="http://schemas.openxmlformats.org/officeDocument/2006/relationships" xmlns:p="http://schemas.openxmlformats.org/presentationml/2006/main">
-  <p:cSld>
-    <p:spTree>
-      <p:nvGrpSpPr>
-        <p:cNvPr id="1" name=""/>
-        <p:cNvGrpSpPr/>
-        <p:nvPr/>
-      </p:nvGrpSpPr>
-      <p:grpSpPr>
-        <a:xfrm>
-          <a:off x="0" y="0"/>
-          <a:ext cx="0" cy="0"/>
-          <a:chOff x="0" y="0"/>
-          <a:chExt cx="0" cy="0"/>
-        </a:xfrm>
-      </p:grpSpPr>
-      <p:sp>
-        <p:nvSpPr>
-          <p:cNvPr id="2" name="Title 1"/>
-          <p:cNvSpPr>
-            <a:spLocks noGrp="1"/>
-          </p:cNvSpPr>
-          <p:nvPr>
-            <p:ph type="title"/>
-          </p:nvPr>
-        </p:nvSpPr>
-        <p:spPr/>
-        <p:txBody>
-          <a:bodyPr/>
-          <a:lstStyle/>
-          <a:p>
-            <a:r>
-              <a:rPr lang="pt-PT" dirty="0" err="1" smtClean="0"/>
-              <a:t>Printing</a:t>
-            </a:r>
-            <a:endParaRPr lang="pt-PT" dirty="0"/>
-          </a:p>
-        </p:txBody>
-      </p:sp>
-      <p:sp>
-        <p:nvSpPr>
-          <p:cNvPr id="4" name="TextBox 3"/>
-          <p:cNvSpPr txBox="1"/>
-          <p:nvPr/>
-        </p:nvSpPr>
-        <p:spPr>
-          <a:xfrm>
-            <a:off x="6427694" y="6176963"/>
-            <a:ext cx="5027338" cy="369332"/>
-          </a:xfrm>
-          <a:prstGeom prst="rect">
-            <a:avLst/>
-          </a:prstGeom>
-          <a:noFill/>
-        </p:spPr>
-        <p:txBody>
-          <a:bodyPr wrap="none" rtlCol="0">
-            <a:spAutoFit/>
-          </a:bodyPr>
-          <a:lstStyle/>
-          <a:p>
-            <a:r>
-              <a:rPr lang="pt-PT" dirty="0" err="1"/>
-              <a:t>https</a:t>
-            </a:r>
-            <a:r>
-              <a:rPr lang="pt-PT" dirty="0"/>
-              <a:t>://</a:t>
-            </a:r>
-            <a:r>
-              <a:rPr lang="pt-PT" dirty="0" err="1"/>
-              <a:t>github.com</a:t>
-            </a:r>
-            <a:r>
-              <a:rPr lang="pt-PT" dirty="0"/>
-              <a:t>/</a:t>
-            </a:r>
-            <a:r>
-              <a:rPr lang="pt-PT" dirty="0" err="1"/>
-              <a:t>pasadinhas</a:t>
-            </a:r>
-            <a:r>
-              <a:rPr lang="pt-PT" dirty="0"/>
-              <a:t>/</a:t>
-            </a:r>
-            <a:r>
-              <a:rPr lang="pt-PT" dirty="0" err="1"/>
-              <a:t>autoboxing-profiler</a:t>
-            </a:r>
-            <a:endParaRPr lang="pt-PT" dirty="0"/>
-          </a:p>
-        </p:txBody>
-      </p:sp>
-      <p:pic>
-        <p:nvPicPr>
-          <p:cNvPr id="7" name="Picture 6"/>
-          <p:cNvPicPr>
-            <a:picLocks noChangeAspect="1"/>
-          </p:cNvPicPr>
-          <p:nvPr/>
-        </p:nvPicPr>
-        <p:blipFill>
-          <a:blip r:embed="rId2">
-            <a:extLst>
-              <a:ext uri="{28A0092B-C50C-407E-A947-70E740481C1C}">
-                <a14:useLocalDpi xmlns:a14="http://schemas.microsoft.com/office/drawing/2010/main" val="0"/>
-              </a:ext>
-            </a:extLst>
-          </a:blip>
-          <a:stretch>
-            <a:fillRect/>
-          </a:stretch>
-        </p:blipFill>
-        <p:spPr>
-          <a:xfrm>
-            <a:off x="3327400" y="2895600"/>
-            <a:ext cx="5537200" cy="1066800"/>
-          </a:xfrm>
-          <a:prstGeom prst="rect">
-            <a:avLst/>
-          </a:prstGeom>
-        </p:spPr>
-      </p:pic>
-    </p:spTree>
-    <p:extLst>
-      <p:ext uri="{BB962C8B-B14F-4D97-AF65-F5344CB8AC3E}">
-        <p14:creationId xmlns:p14="http://schemas.microsoft.com/office/powerpoint/2010/main" val="616459269"/>
-      </p:ext>
-    </p:extLst>
-  </p:cSld>
-  <p:clrMapOvr>
-    <a:masterClrMapping/>
-  </p:clrMapOvr>
-  <p:timing>
-    <p:tnLst>
-      <p:par>
-        <p:cTn id="1" dur="indefinite" restart="never" nodeType="tmRoot"/>
-      </p:par>
-    </p:tnLst>
-  </p:timing>
-</p:sld>
-</file>
-
-<file path=ppt/slides/slide26.xml><?xml version="1.0" encoding="utf-8"?>
-<p:sld xmlns:a="http://schemas.openxmlformats.org/drawingml/2006/main" xmlns:r="http://schemas.openxmlformats.org/officeDocument/2006/relationships" xmlns:p="http://schemas.openxmlformats.org/presentationml/2006/main">
-  <p:cSld>
-    <p:spTree>
-      <p:nvGrpSpPr>
-        <p:cNvPr id="1" name=""/>
-        <p:cNvGrpSpPr/>
-        <p:nvPr/>
-      </p:nvGrpSpPr>
-      <p:grpSpPr>
-        <a:xfrm>
-          <a:off x="0" y="0"/>
-          <a:ext cx="0" cy="0"/>
-          <a:chOff x="0" y="0"/>
-          <a:chExt cx="0" cy="0"/>
-        </a:xfrm>
-      </p:grpSpPr>
-      <p:sp>
-        <p:nvSpPr>
-          <p:cNvPr id="2" name="Title 1"/>
-          <p:cNvSpPr>
-            <a:spLocks noGrp="1"/>
-          </p:cNvSpPr>
-          <p:nvPr>
-            <p:ph type="title"/>
-          </p:nvPr>
-        </p:nvSpPr>
-        <p:spPr/>
-        <p:txBody>
-          <a:bodyPr/>
-          <a:lstStyle/>
-          <a:p>
-            <a:r>
-              <a:rPr lang="pt-PT" dirty="0" err="1" smtClean="0"/>
-              <a:t>Printing</a:t>
-            </a:r>
-            <a:endParaRPr lang="pt-PT" dirty="0"/>
-          </a:p>
-        </p:txBody>
-      </p:sp>
-      <p:sp>
-        <p:nvSpPr>
-          <p:cNvPr id="4" name="TextBox 3"/>
-          <p:cNvSpPr txBox="1"/>
-          <p:nvPr/>
-        </p:nvSpPr>
-        <p:spPr>
-          <a:xfrm>
-            <a:off x="6427694" y="6176963"/>
-            <a:ext cx="5027338" cy="369332"/>
-          </a:xfrm>
-          <a:prstGeom prst="rect">
-            <a:avLst/>
-          </a:prstGeom>
-          <a:noFill/>
-        </p:spPr>
-        <p:txBody>
-          <a:bodyPr wrap="none" rtlCol="0">
-            <a:spAutoFit/>
-          </a:bodyPr>
-          <a:lstStyle/>
-          <a:p>
-            <a:r>
-              <a:rPr lang="pt-PT" dirty="0" err="1"/>
-              <a:t>https</a:t>
-            </a:r>
-            <a:r>
-              <a:rPr lang="pt-PT" dirty="0"/>
-              <a:t>://</a:t>
-            </a:r>
-            <a:r>
-              <a:rPr lang="pt-PT" dirty="0" err="1"/>
-              <a:t>github.com</a:t>
-            </a:r>
-            <a:r>
-              <a:rPr lang="pt-PT" dirty="0"/>
-              <a:t>/</a:t>
-            </a:r>
-            <a:r>
-              <a:rPr lang="pt-PT" dirty="0" err="1"/>
-              <a:t>pasadinhas</a:t>
-            </a:r>
-            <a:r>
-              <a:rPr lang="pt-PT" dirty="0"/>
-              <a:t>/</a:t>
-            </a:r>
-            <a:r>
-              <a:rPr lang="pt-PT" dirty="0" err="1"/>
-              <a:t>autoboxing-profiler</a:t>
-            </a:r>
-            <a:endParaRPr lang="pt-PT" dirty="0"/>
-          </a:p>
-        </p:txBody>
-      </p:sp>
-      <p:pic>
-        <p:nvPicPr>
-          <p:cNvPr id="3" name="Picture 2"/>
-          <p:cNvPicPr>
-            <a:picLocks noChangeAspect="1"/>
-          </p:cNvPicPr>
-          <p:nvPr/>
-        </p:nvPicPr>
-        <p:blipFill>
-          <a:blip r:embed="rId2">
-            <a:extLst>
-              <a:ext uri="{28A0092B-C50C-407E-A947-70E740481C1C}">
-                <a14:useLocalDpi xmlns:a14="http://schemas.microsoft.com/office/drawing/2010/main" val="0"/>
-              </a:ext>
-            </a:extLst>
-          </a:blip>
-          <a:stretch>
-            <a:fillRect/>
-          </a:stretch>
-        </p:blipFill>
-        <p:spPr>
-          <a:xfrm>
-            <a:off x="533400" y="3187700"/>
-            <a:ext cx="11125200" cy="469900"/>
-          </a:xfrm>
-          <a:prstGeom prst="rect">
-            <a:avLst/>
-          </a:prstGeom>
-        </p:spPr>
-      </p:pic>
-    </p:spTree>
-    <p:extLst>
-      <p:ext uri="{BB962C8B-B14F-4D97-AF65-F5344CB8AC3E}">
-        <p14:creationId xmlns:p14="http://schemas.microsoft.com/office/powerpoint/2010/main" val="501540096"/>
-      </p:ext>
-    </p:extLst>
-  </p:cSld>
-  <p:clrMapOvr>
-    <a:masterClrMapping/>
-  </p:clrMapOvr>
-  <p:timing>
-    <p:tnLst>
-      <p:par>
-        <p:cTn id="1" dur="indefinite" restart="never" nodeType="tmRoot"/>
-      </p:par>
-    </p:tnLst>
-  </p:timing>
-</p:sld>
-</file>
-
-<file path=ppt/slides/slide27.xml><?xml version="1.0" encoding="utf-8"?>
 <p:sld xmlns:a="http://schemas.openxmlformats.org/drawingml/2006/main" xmlns:r="http://schemas.openxmlformats.org/officeDocument/2006/relationships" xmlns:p="http://schemas.openxmlformats.org/presentationml/2006/main">
   <p:cSld>
     <p:spTree>
@@ -16280,11 +14667,6 @@
               </a:rPr>
               <a:t>!</a:t>
             </a:r>
-            <a:endParaRPr lang="pt-PT" dirty="0" smtClean="0">
-              <a:solidFill>
-                <a:schemeClr val="accent6"/>
-              </a:solidFill>
-            </a:endParaRPr>
           </a:p>
         </p:txBody>
       </p:sp>

--- a/Presentation.pptx
+++ b/Presentation.pptx
@@ -29,7 +29,11 @@
     <p:sldId id="304" r:id="rId23"/>
     <p:sldId id="305" r:id="rId24"/>
     <p:sldId id="306" r:id="rId25"/>
-    <p:sldId id="293" r:id="rId26"/>
+    <p:sldId id="307" r:id="rId26"/>
+    <p:sldId id="309" r:id="rId27"/>
+    <p:sldId id="310" r:id="rId28"/>
+    <p:sldId id="312" r:id="rId29"/>
+    <p:sldId id="293" r:id="rId30"/>
   </p:sldIdLst>
   <p:sldSz cx="12192000" cy="6858000"/>
   <p:notesSz cx="6858000" cy="9144000"/>
@@ -11346,6 +11350,13 @@
   <p:clrMapOvr>
     <a:masterClrMapping/>
   </p:clrMapOvr>
+  <p:timing>
+    <p:tnLst>
+      <p:par>
+        <p:cTn id="1" dur="indefinite" restart="never" nodeType="tmRoot"/>
+      </p:par>
+    </p:tnLst>
+  </p:timing>
 </p:sld>
 </file>
 
@@ -11436,6 +11447,13 @@
   <p:clrMapOvr>
     <a:masterClrMapping/>
   </p:clrMapOvr>
+  <p:timing>
+    <p:tnLst>
+      <p:par>
+        <p:cTn id="1" dur="indefinite" restart="never" nodeType="tmRoot"/>
+      </p:par>
+    </p:tnLst>
+  </p:timing>
 </p:sld>
 </file>
 
@@ -11471,29 +11489,59 @@
           <a:bodyPr/>
           <a:lstStyle/>
           <a:p>
-            <a:endParaRPr lang="pt-PT"/>
-          </a:p>
-        </p:txBody>
-      </p:sp>
-      <p:sp>
-        <p:nvSpPr>
-          <p:cNvPr id="3" name="Content Placeholder 2"/>
-          <p:cNvSpPr>
-            <a:spLocks noGrp="1"/>
-          </p:cNvSpPr>
+            <a:r>
+              <a:rPr lang="pt-PT" dirty="0" err="1" smtClean="0"/>
+              <a:t>Call</a:t>
+            </a:r>
+            <a:r>
+              <a:rPr lang="pt-PT" dirty="0" smtClean="0"/>
+              <a:t> </a:t>
+            </a:r>
+            <a:r>
+              <a:rPr lang="pt-PT" dirty="0" err="1" smtClean="0"/>
+              <a:t>Next</a:t>
+            </a:r>
+            <a:r>
+              <a:rPr lang="pt-PT" dirty="0" smtClean="0"/>
+              <a:t> </a:t>
+            </a:r>
+            <a:r>
+              <a:rPr lang="pt-PT" dirty="0" err="1" smtClean="0"/>
+              <a:t>Method</a:t>
+            </a:r>
+            <a:endParaRPr lang="pt-PT" dirty="0"/>
+          </a:p>
+        </p:txBody>
+      </p:sp>
+      <p:pic>
+        <p:nvPicPr>
+          <p:cNvPr id="5" name="Content Placeholder 4"/>
+          <p:cNvPicPr>
+            <a:picLocks noGrp="1" noChangeAspect="1"/>
+          </p:cNvPicPr>
           <p:nvPr>
             <p:ph idx="1"/>
           </p:nvPr>
-        </p:nvSpPr>
-        <p:spPr/>
-        <p:txBody>
-          <a:bodyPr/>
-          <a:lstStyle/>
-          <a:p>
-            <a:endParaRPr lang="pt-PT"/>
-          </a:p>
-        </p:txBody>
-      </p:sp>
+        </p:nvPicPr>
+        <p:blipFill>
+          <a:blip r:embed="rId2">
+            <a:extLst>
+              <a:ext uri="{28A0092B-C50C-407E-A947-70E740481C1C}">
+                <a14:useLocalDpi xmlns:a14="http://schemas.microsoft.com/office/drawing/2010/main" val="0"/>
+              </a:ext>
+            </a:extLst>
+          </a:blip>
+          <a:stretch>
+            <a:fillRect/>
+          </a:stretch>
+        </p:blipFill>
+        <p:spPr>
+          <a:xfrm>
+            <a:off x="2693987" y="2832894"/>
+            <a:ext cx="7086600" cy="2336800"/>
+          </a:xfrm>
+        </p:spPr>
+      </p:pic>
     </p:spTree>
     <p:extLst>
       <p:ext uri="{BB962C8B-B14F-4D97-AF65-F5344CB8AC3E}">
@@ -11504,10 +11552,383 @@
   <p:clrMapOvr>
     <a:masterClrMapping/>
   </p:clrMapOvr>
+  <p:timing>
+    <p:tnLst>
+      <p:par>
+        <p:cTn id="1" dur="indefinite" restart="never" nodeType="tmRoot"/>
+      </p:par>
+    </p:tnLst>
+  </p:timing>
 </p:sld>
 </file>
 
 <file path=ppt/slides/slide25.xml><?xml version="1.0" encoding="utf-8"?>
+<p:sld xmlns:a="http://schemas.openxmlformats.org/drawingml/2006/main" xmlns:r="http://schemas.openxmlformats.org/officeDocument/2006/relationships" xmlns:p="http://schemas.openxmlformats.org/presentationml/2006/main">
+  <p:cSld>
+    <p:spTree>
+      <p:nvGrpSpPr>
+        <p:cNvPr id="1" name=""/>
+        <p:cNvGrpSpPr/>
+        <p:nvPr/>
+      </p:nvGrpSpPr>
+      <p:grpSpPr>
+        <a:xfrm>
+          <a:off x="0" y="0"/>
+          <a:ext cx="0" cy="0"/>
+          <a:chOff x="0" y="0"/>
+          <a:chExt cx="0" cy="0"/>
+        </a:xfrm>
+      </p:grpSpPr>
+      <p:sp>
+        <p:nvSpPr>
+          <p:cNvPr id="2" name="Title 1"/>
+          <p:cNvSpPr>
+            <a:spLocks noGrp="1"/>
+          </p:cNvSpPr>
+          <p:nvPr>
+            <p:ph type="title"/>
+          </p:nvPr>
+        </p:nvSpPr>
+        <p:spPr/>
+        <p:txBody>
+          <a:bodyPr/>
+          <a:lstStyle/>
+          <a:p>
+            <a:r>
+              <a:rPr lang="pt-PT" dirty="0" err="1" smtClean="0"/>
+              <a:t>Call</a:t>
+            </a:r>
+            <a:r>
+              <a:rPr lang="pt-PT" dirty="0" smtClean="0"/>
+              <a:t> </a:t>
+            </a:r>
+            <a:r>
+              <a:rPr lang="pt-PT" dirty="0" err="1" smtClean="0"/>
+              <a:t>Next</a:t>
+            </a:r>
+            <a:r>
+              <a:rPr lang="pt-PT" dirty="0" smtClean="0"/>
+              <a:t> </a:t>
+            </a:r>
+            <a:r>
+              <a:rPr lang="pt-PT" dirty="0" err="1" smtClean="0"/>
+              <a:t>Method</a:t>
+            </a:r>
+            <a:endParaRPr lang="pt-PT" dirty="0"/>
+          </a:p>
+        </p:txBody>
+      </p:sp>
+      <p:pic>
+        <p:nvPicPr>
+          <p:cNvPr id="4" name="Content Placeholder 3"/>
+          <p:cNvPicPr>
+            <a:picLocks noGrp="1" noChangeAspect="1"/>
+          </p:cNvPicPr>
+          <p:nvPr>
+            <p:ph idx="1"/>
+          </p:nvPr>
+        </p:nvPicPr>
+        <p:blipFill>
+          <a:blip r:embed="rId2">
+            <a:extLst>
+              <a:ext uri="{28A0092B-C50C-407E-A947-70E740481C1C}">
+                <a14:useLocalDpi xmlns:a14="http://schemas.microsoft.com/office/drawing/2010/main" val="0"/>
+              </a:ext>
+            </a:extLst>
+          </a:blip>
+          <a:stretch>
+            <a:fillRect/>
+          </a:stretch>
+        </p:blipFill>
+        <p:spPr>
+          <a:xfrm>
+            <a:off x="2258617" y="1825625"/>
+            <a:ext cx="7957340" cy="4351338"/>
+          </a:xfrm>
+        </p:spPr>
+      </p:pic>
+    </p:spTree>
+    <p:extLst>
+      <p:ext uri="{BB962C8B-B14F-4D97-AF65-F5344CB8AC3E}">
+        <p14:creationId xmlns:p14="http://schemas.microsoft.com/office/powerpoint/2010/main" val="1735738924"/>
+      </p:ext>
+    </p:extLst>
+  </p:cSld>
+  <p:clrMapOvr>
+    <a:masterClrMapping/>
+  </p:clrMapOvr>
+  <p:timing>
+    <p:tnLst>
+      <p:par>
+        <p:cTn id="1" dur="indefinite" restart="never" nodeType="tmRoot"/>
+      </p:par>
+    </p:tnLst>
+  </p:timing>
+</p:sld>
+</file>
+
+<file path=ppt/slides/slide26.xml><?xml version="1.0" encoding="utf-8"?>
+<p:sld xmlns:a="http://schemas.openxmlformats.org/drawingml/2006/main" xmlns:r="http://schemas.openxmlformats.org/officeDocument/2006/relationships" xmlns:p="http://schemas.openxmlformats.org/presentationml/2006/main">
+  <p:cSld>
+    <p:spTree>
+      <p:nvGrpSpPr>
+        <p:cNvPr id="1" name=""/>
+        <p:cNvGrpSpPr/>
+        <p:nvPr/>
+      </p:nvGrpSpPr>
+      <p:grpSpPr>
+        <a:xfrm>
+          <a:off x="0" y="0"/>
+          <a:ext cx="0" cy="0"/>
+          <a:chOff x="0" y="0"/>
+          <a:chExt cx="0" cy="0"/>
+        </a:xfrm>
+      </p:grpSpPr>
+      <p:sp>
+        <p:nvSpPr>
+          <p:cNvPr id="2" name="Title 1"/>
+          <p:cNvSpPr>
+            <a:spLocks noGrp="1"/>
+          </p:cNvSpPr>
+          <p:nvPr>
+            <p:ph type="title"/>
+          </p:nvPr>
+        </p:nvSpPr>
+        <p:spPr/>
+        <p:txBody>
+          <a:bodyPr/>
+          <a:lstStyle/>
+          <a:p>
+            <a:r>
+              <a:rPr lang="pt-PT" dirty="0" err="1" smtClean="0"/>
+              <a:t>Around</a:t>
+            </a:r>
+            <a:r>
+              <a:rPr lang="pt-PT" dirty="0" smtClean="0"/>
+              <a:t> </a:t>
+            </a:r>
+            <a:r>
+              <a:rPr lang="pt-PT" dirty="0" err="1" smtClean="0"/>
+              <a:t>Combinator</a:t>
+            </a:r>
+            <a:endParaRPr lang="pt-PT" dirty="0"/>
+          </a:p>
+        </p:txBody>
+      </p:sp>
+      <p:pic>
+        <p:nvPicPr>
+          <p:cNvPr id="6" name="Content Placeholder 5"/>
+          <p:cNvPicPr>
+            <a:picLocks noGrp="1" noChangeAspect="1"/>
+          </p:cNvPicPr>
+          <p:nvPr>
+            <p:ph idx="1"/>
+          </p:nvPr>
+        </p:nvPicPr>
+        <p:blipFill>
+          <a:blip r:embed="rId2">
+            <a:extLst>
+              <a:ext uri="{28A0092B-C50C-407E-A947-70E740481C1C}">
+                <a14:useLocalDpi xmlns:a14="http://schemas.microsoft.com/office/drawing/2010/main" val="0"/>
+              </a:ext>
+            </a:extLst>
+          </a:blip>
+          <a:stretch>
+            <a:fillRect/>
+          </a:stretch>
+        </p:blipFill>
+        <p:spPr>
+          <a:xfrm>
+            <a:off x="1729675" y="1504348"/>
+            <a:ext cx="8732650" cy="5032375"/>
+          </a:xfrm>
+        </p:spPr>
+      </p:pic>
+    </p:spTree>
+    <p:extLst>
+      <p:ext uri="{BB962C8B-B14F-4D97-AF65-F5344CB8AC3E}">
+        <p14:creationId xmlns:p14="http://schemas.microsoft.com/office/powerpoint/2010/main" val="1024920750"/>
+      </p:ext>
+    </p:extLst>
+  </p:cSld>
+  <p:clrMapOvr>
+    <a:masterClrMapping/>
+  </p:clrMapOvr>
+  <p:timing>
+    <p:tnLst>
+      <p:par>
+        <p:cTn id="1" dur="indefinite" restart="never" nodeType="tmRoot"/>
+      </p:par>
+    </p:tnLst>
+  </p:timing>
+</p:sld>
+</file>
+
+<file path=ppt/slides/slide27.xml><?xml version="1.0" encoding="utf-8"?>
+<p:sld xmlns:a="http://schemas.openxmlformats.org/drawingml/2006/main" xmlns:r="http://schemas.openxmlformats.org/officeDocument/2006/relationships" xmlns:p="http://schemas.openxmlformats.org/presentationml/2006/main">
+  <p:cSld>
+    <p:spTree>
+      <p:nvGrpSpPr>
+        <p:cNvPr id="1" name=""/>
+        <p:cNvGrpSpPr/>
+        <p:nvPr/>
+      </p:nvGrpSpPr>
+      <p:grpSpPr>
+        <a:xfrm>
+          <a:off x="0" y="0"/>
+          <a:ext cx="0" cy="0"/>
+          <a:chOff x="0" y="0"/>
+          <a:chExt cx="0" cy="0"/>
+        </a:xfrm>
+      </p:grpSpPr>
+      <p:sp>
+        <p:nvSpPr>
+          <p:cNvPr id="2" name="Title 1"/>
+          <p:cNvSpPr>
+            <a:spLocks noGrp="1"/>
+          </p:cNvSpPr>
+          <p:nvPr>
+            <p:ph type="title"/>
+          </p:nvPr>
+        </p:nvSpPr>
+        <p:spPr/>
+        <p:txBody>
+          <a:bodyPr/>
+          <a:lstStyle/>
+          <a:p>
+            <a:r>
+              <a:rPr lang="pt-PT" dirty="0" err="1" smtClean="0"/>
+              <a:t>Example</a:t>
+            </a:r>
+            <a:endParaRPr lang="pt-PT" dirty="0"/>
+          </a:p>
+        </p:txBody>
+      </p:sp>
+      <p:pic>
+        <p:nvPicPr>
+          <p:cNvPr id="6" name="Content Placeholder 5"/>
+          <p:cNvPicPr>
+            <a:picLocks noGrp="1" noChangeAspect="1"/>
+          </p:cNvPicPr>
+          <p:nvPr>
+            <p:ph idx="1"/>
+          </p:nvPr>
+        </p:nvPicPr>
+        <p:blipFill>
+          <a:blip r:embed="rId2">
+            <a:extLst>
+              <a:ext uri="{28A0092B-C50C-407E-A947-70E740481C1C}">
+                <a14:useLocalDpi xmlns:a14="http://schemas.microsoft.com/office/drawing/2010/main" val="0"/>
+              </a:ext>
+            </a:extLst>
+          </a:blip>
+          <a:stretch>
+            <a:fillRect/>
+          </a:stretch>
+        </p:blipFill>
+        <p:spPr>
+          <a:xfrm>
+            <a:off x="3300776" y="1825625"/>
+            <a:ext cx="5873023" cy="4351338"/>
+          </a:xfrm>
+        </p:spPr>
+      </p:pic>
+    </p:spTree>
+    <p:extLst>
+      <p:ext uri="{BB962C8B-B14F-4D97-AF65-F5344CB8AC3E}">
+        <p14:creationId xmlns:p14="http://schemas.microsoft.com/office/powerpoint/2010/main" val="1024424974"/>
+      </p:ext>
+    </p:extLst>
+  </p:cSld>
+  <p:clrMapOvr>
+    <a:masterClrMapping/>
+  </p:clrMapOvr>
+</p:sld>
+</file>
+
+<file path=ppt/slides/slide28.xml><?xml version="1.0" encoding="utf-8"?>
+<p:sld xmlns:a="http://schemas.openxmlformats.org/drawingml/2006/main" xmlns:r="http://schemas.openxmlformats.org/officeDocument/2006/relationships" xmlns:p="http://schemas.openxmlformats.org/presentationml/2006/main">
+  <p:cSld>
+    <p:spTree>
+      <p:nvGrpSpPr>
+        <p:cNvPr id="1" name=""/>
+        <p:cNvGrpSpPr/>
+        <p:nvPr/>
+      </p:nvGrpSpPr>
+      <p:grpSpPr>
+        <a:xfrm>
+          <a:off x="0" y="0"/>
+          <a:ext cx="0" cy="0"/>
+          <a:chOff x="0" y="0"/>
+          <a:chExt cx="0" cy="0"/>
+        </a:xfrm>
+      </p:grpSpPr>
+      <p:sp>
+        <p:nvSpPr>
+          <p:cNvPr id="2" name="Title 1"/>
+          <p:cNvSpPr>
+            <a:spLocks noGrp="1"/>
+          </p:cNvSpPr>
+          <p:nvPr>
+            <p:ph type="title"/>
+          </p:nvPr>
+        </p:nvSpPr>
+        <p:spPr/>
+        <p:txBody>
+          <a:bodyPr/>
+          <a:lstStyle/>
+          <a:p>
+            <a:r>
+              <a:rPr lang="pt-PT" dirty="0" err="1" smtClean="0"/>
+              <a:t>Example</a:t>
+            </a:r>
+            <a:endParaRPr lang="pt-PT" dirty="0"/>
+          </a:p>
+        </p:txBody>
+      </p:sp>
+      <p:pic>
+        <p:nvPicPr>
+          <p:cNvPr id="4" name="Content Placeholder 3"/>
+          <p:cNvPicPr>
+            <a:picLocks noGrp="1" noChangeAspect="1"/>
+          </p:cNvPicPr>
+          <p:nvPr>
+            <p:ph idx="1"/>
+          </p:nvPr>
+        </p:nvPicPr>
+        <p:blipFill>
+          <a:blip r:embed="rId2">
+            <a:extLst>
+              <a:ext uri="{28A0092B-C50C-407E-A947-70E740481C1C}">
+                <a14:useLocalDpi xmlns:a14="http://schemas.microsoft.com/office/drawing/2010/main" val="0"/>
+              </a:ext>
+            </a:extLst>
+          </a:blip>
+          <a:stretch>
+            <a:fillRect/>
+          </a:stretch>
+        </p:blipFill>
+        <p:spPr>
+          <a:xfrm>
+            <a:off x="1388654" y="1825625"/>
+            <a:ext cx="9697267" cy="4351338"/>
+          </a:xfrm>
+        </p:spPr>
+      </p:pic>
+    </p:spTree>
+    <p:extLst>
+      <p:ext uri="{BB962C8B-B14F-4D97-AF65-F5344CB8AC3E}">
+        <p14:creationId xmlns:p14="http://schemas.microsoft.com/office/powerpoint/2010/main" val="2026998572"/>
+      </p:ext>
+    </p:extLst>
+  </p:cSld>
+  <p:clrMapOvr>
+    <a:masterClrMapping/>
+  </p:clrMapOvr>
+</p:sld>
+</file>
+
+<file path=ppt/slides/slide29.xml><?xml version="1.0" encoding="utf-8"?>
 <p:sld xmlns:a="http://schemas.openxmlformats.org/drawingml/2006/main" xmlns:r="http://schemas.openxmlformats.org/officeDocument/2006/relationships" xmlns:p="http://schemas.openxmlformats.org/presentationml/2006/main">
   <p:cSld>
     <p:spTree>
